--- a/documentation/Grupp 3.pptx
+++ b/documentation/Grupp 3.pptx
@@ -9,8 +9,9 @@
     <p:sldId id="257" r:id="rId3"/>
     <p:sldId id="258" r:id="rId4"/>
     <p:sldId id="259" r:id="rId5"/>
-    <p:sldId id="260" r:id="rId6"/>
-    <p:sldId id="261" r:id="rId7"/>
+    <p:sldId id="262" r:id="rId6"/>
+    <p:sldId id="260" r:id="rId7"/>
+    <p:sldId id="261" r:id="rId8"/>
   </p:sldIdLst>
   <p:sldSz cx="12192000" cy="6858000"/>
   <p:notesSz cx="6858000" cy="9144000"/>
@@ -347,7 +348,7 @@
             <a:fld id="{B61BEF0D-F0BB-DE4B-95CE-6DB70DBA9567}" type="datetimeFigureOut">
               <a:rPr lang="en-US" dirty="0"/>
               <a:pPr/>
-              <a:t>6/7/2021</a:t>
+              <a:t>6/8/2021</a:t>
             </a:fld>
             <a:endParaRPr lang="en-US" dirty="0"/>
           </a:p>
@@ -678,7 +679,7 @@
             <a:fld id="{B61BEF0D-F0BB-DE4B-95CE-6DB70DBA9567}" type="datetimeFigureOut">
               <a:rPr lang="en-US" dirty="0"/>
               <a:pPr/>
-              <a:t>6/7/2021</a:t>
+              <a:t>6/8/2021</a:t>
             </a:fld>
             <a:endParaRPr lang="en-US" dirty="0"/>
           </a:p>
@@ -953,7 +954,7 @@
             <a:fld id="{B61BEF0D-F0BB-DE4B-95CE-6DB70DBA9567}" type="datetimeFigureOut">
               <a:rPr lang="en-US" dirty="0"/>
               <a:pPr/>
-              <a:t>6/7/2021</a:t>
+              <a:t>6/8/2021</a:t>
             </a:fld>
             <a:endParaRPr lang="en-US" dirty="0"/>
           </a:p>
@@ -1518,7 +1519,7 @@
             <a:fld id="{B61BEF0D-F0BB-DE4B-95CE-6DB70DBA9567}" type="datetimeFigureOut">
               <a:rPr lang="en-US" dirty="0"/>
               <a:pPr/>
-              <a:t>6/7/2021</a:t>
+              <a:t>6/8/2021</a:t>
             </a:fld>
             <a:endParaRPr lang="en-US" dirty="0"/>
           </a:p>
@@ -1793,7 +1794,7 @@
             <a:fld id="{B61BEF0D-F0BB-DE4B-95CE-6DB70DBA9567}" type="datetimeFigureOut">
               <a:rPr lang="en-US" dirty="0"/>
               <a:pPr/>
-              <a:t>6/7/2021</a:t>
+              <a:t>6/8/2021</a:t>
             </a:fld>
             <a:endParaRPr lang="en-US" dirty="0"/>
           </a:p>
@@ -2352,7 +2353,7 @@
             <a:fld id="{B61BEF0D-F0BB-DE4B-95CE-6DB70DBA9567}" type="datetimeFigureOut">
               <a:rPr lang="en-US" dirty="0"/>
               <a:pPr/>
-              <a:t>6/7/2021</a:t>
+              <a:t>6/8/2021</a:t>
             </a:fld>
             <a:endParaRPr lang="en-US" dirty="0"/>
           </a:p>
@@ -2676,7 +2677,7 @@
             <a:fld id="{B61BEF0D-F0BB-DE4B-95CE-6DB70DBA9567}" type="datetimeFigureOut">
               <a:rPr lang="en-US" dirty="0"/>
               <a:pPr/>
-              <a:t>6/7/2021</a:t>
+              <a:t>6/8/2021</a:t>
             </a:fld>
             <a:endParaRPr lang="en-US" dirty="0"/>
           </a:p>
@@ -2850,7 +2851,7 @@
             <a:fld id="{B61BEF0D-F0BB-DE4B-95CE-6DB70DBA9567}" type="datetimeFigureOut">
               <a:rPr lang="en-US" dirty="0"/>
               <a:pPr/>
-              <a:t>6/7/2021</a:t>
+              <a:t>6/8/2021</a:t>
             </a:fld>
             <a:endParaRPr lang="en-US" dirty="0"/>
           </a:p>
@@ -3085,7 +3086,7 @@
             <a:fld id="{B61BEF0D-F0BB-DE4B-95CE-6DB70DBA9567}" type="datetimeFigureOut">
               <a:rPr lang="en-US" dirty="0"/>
               <a:pPr/>
-              <a:t>6/7/2021</a:t>
+              <a:t>6/8/2021</a:t>
             </a:fld>
             <a:endParaRPr lang="en-US" dirty="0"/>
           </a:p>
@@ -3282,7 +3283,7 @@
             <a:fld id="{B61BEF0D-F0BB-DE4B-95CE-6DB70DBA9567}" type="datetimeFigureOut">
               <a:rPr lang="en-US" dirty="0"/>
               <a:pPr/>
-              <a:t>6/7/2021</a:t>
+              <a:t>6/8/2021</a:t>
             </a:fld>
             <a:endParaRPr lang="en-US" dirty="0"/>
           </a:p>
@@ -3555,7 +3556,7 @@
             <a:fld id="{B61BEF0D-F0BB-DE4B-95CE-6DB70DBA9567}" type="datetimeFigureOut">
               <a:rPr lang="en-US" dirty="0"/>
               <a:pPr/>
-              <a:t>6/7/2021</a:t>
+              <a:t>6/8/2021</a:t>
             </a:fld>
             <a:endParaRPr lang="en-US" dirty="0"/>
           </a:p>
@@ -3818,7 +3819,7 @@
             <a:fld id="{B61BEF0D-F0BB-DE4B-95CE-6DB70DBA9567}" type="datetimeFigureOut">
               <a:rPr lang="en-US" dirty="0"/>
               <a:pPr/>
-              <a:t>6/7/2021</a:t>
+              <a:t>6/8/2021</a:t>
             </a:fld>
             <a:endParaRPr lang="en-US" dirty="0"/>
           </a:p>
@@ -4189,7 +4190,7 @@
             <a:fld id="{B61BEF0D-F0BB-DE4B-95CE-6DB70DBA9567}" type="datetimeFigureOut">
               <a:rPr lang="en-US" dirty="0"/>
               <a:pPr/>
-              <a:t>6/7/2021</a:t>
+              <a:t>6/8/2021</a:t>
             </a:fld>
             <a:endParaRPr lang="en-US" dirty="0"/>
           </a:p>
@@ -4334,7 +4335,7 @@
             <a:fld id="{B61BEF0D-F0BB-DE4B-95CE-6DB70DBA9567}" type="datetimeFigureOut">
               <a:rPr lang="en-US" dirty="0"/>
               <a:pPr/>
-              <a:t>6/7/2021</a:t>
+              <a:t>6/8/2021</a:t>
             </a:fld>
             <a:endParaRPr lang="en-US" dirty="0"/>
           </a:p>
@@ -4456,7 +4457,7 @@
             <a:fld id="{B61BEF0D-F0BB-DE4B-95CE-6DB70DBA9567}" type="datetimeFigureOut">
               <a:rPr lang="en-US" dirty="0"/>
               <a:pPr/>
-              <a:t>6/7/2021</a:t>
+              <a:t>6/8/2021</a:t>
             </a:fld>
             <a:endParaRPr lang="en-US" dirty="0"/>
           </a:p>
@@ -4738,7 +4739,7 @@
             <a:fld id="{B61BEF0D-F0BB-DE4B-95CE-6DB70DBA9567}" type="datetimeFigureOut">
               <a:rPr lang="en-US" dirty="0"/>
               <a:pPr/>
-              <a:t>6/7/2021</a:t>
+              <a:t>6/8/2021</a:t>
             </a:fld>
             <a:endParaRPr lang="en-US" dirty="0"/>
           </a:p>
@@ -5059,7 +5060,7 @@
             <a:fld id="{B61BEF0D-F0BB-DE4B-95CE-6DB70DBA9567}" type="datetimeFigureOut">
               <a:rPr lang="en-US" dirty="0"/>
               <a:pPr/>
-              <a:t>6/7/2021</a:t>
+              <a:t>6/8/2021</a:t>
             </a:fld>
             <a:endParaRPr lang="en-US" dirty="0"/>
           </a:p>
@@ -5270,7 +5271,7 @@
             <a:fld id="{B61BEF0D-F0BB-DE4B-95CE-6DB70DBA9567}" type="datetimeFigureOut">
               <a:rPr lang="en-US" dirty="0"/>
               <a:pPr/>
-              <a:t>6/7/2021</a:t>
+              <a:t>6/8/2021</a:t>
             </a:fld>
             <a:endParaRPr lang="en-US" dirty="0"/>
           </a:p>
@@ -6096,9 +6097,16 @@
             <p:ph type="title"/>
           </p:nvPr>
         </p:nvSpPr>
-        <p:spPr/>
-        <p:txBody>
-          <a:bodyPr/>
+        <p:spPr>
+          <a:xfrm>
+            <a:off x="998708" y="385864"/>
+            <a:ext cx="9820071" cy="586902"/>
+          </a:xfrm>
+        </p:spPr>
+        <p:txBody>
+          <a:bodyPr>
+            <a:normAutofit fontScale="90000"/>
+          </a:bodyPr>
           <a:lstStyle/>
           <a:p>
             <a:pPr algn="ctr"/>
@@ -6117,37 +6125,626 @@
           </a:p>
         </p:txBody>
       </p:sp>
-      <p:sp>
-        <p:nvSpPr>
-          <p:cNvPr id="3" name="Platshållare för innehåll 2">
+      <p:graphicFrame>
+        <p:nvGraphicFramePr>
+          <p:cNvPr id="6" name="Tabell 9">
             <a:extLst>
               <a:ext uri="{FF2B5EF4-FFF2-40B4-BE49-F238E27FC236}">
-                <a16:creationId xmlns:a16="http://schemas.microsoft.com/office/drawing/2014/main" id="{5D14E52F-E36D-4868-B807-E1F3D09D9B1F}"/>
+                <a16:creationId xmlns:a16="http://schemas.microsoft.com/office/drawing/2014/main" id="{A1F67E0D-C7F1-4866-A1A1-45DCAC446870}"/>
               </a:ext>
             </a:extLst>
           </p:cNvPr>
-          <p:cNvSpPr>
-            <a:spLocks noGrp="1"/>
-          </p:cNvSpPr>
-          <p:nvPr>
-            <p:ph idx="1"/>
-          </p:nvPr>
-        </p:nvSpPr>
-        <p:spPr/>
-        <p:txBody>
-          <a:bodyPr/>
-          <a:lstStyle/>
-          <a:p>
-            <a:r>
-              <a:rPr lang="sv-SE" dirty="0"/>
-              <a:t>Text preprocessing</a:t>
-            </a:r>
-          </a:p>
-          <a:p>
-            <a:r>
-              <a:rPr lang="sv-SE" dirty="0"/>
-              <a:t>Robert fyller på med innehåll</a:t>
-            </a:r>
+          <p:cNvGraphicFramePr>
+            <a:graphicFrameLocks noGrp="1"/>
+          </p:cNvGraphicFramePr>
+          <p:nvPr>
+            <p:extLst>
+              <p:ext uri="{D42A27DB-BD31-4B8C-83A1-F6EECF244321}">
+                <p14:modId xmlns:p14="http://schemas.microsoft.com/office/powerpoint/2010/main" val="1557224132"/>
+              </p:ext>
+            </p:extLst>
+          </p:nvPr>
+        </p:nvGraphicFramePr>
+        <p:xfrm>
+          <a:off x="925750" y="1655758"/>
+          <a:ext cx="10340500" cy="2286000"/>
+        </p:xfrm>
+        <a:graphic>
+          <a:graphicData uri="http://schemas.openxmlformats.org/drawingml/2006/table">
+            <a:tbl>
+              <a:tblPr firstRow="1" bandRow="1">
+                <a:tableStyleId>{5C22544A-7EE6-4342-B048-85BDC9FD1C3A}</a:tableStyleId>
+              </a:tblPr>
+              <a:tblGrid>
+                <a:gridCol w="2068100">
+                  <a:extLst>
+                    <a:ext uri="{9D8B030D-6E8A-4147-A177-3AD203B41FA5}">
+                      <a16:colId xmlns:a16="http://schemas.microsoft.com/office/drawing/2014/main" val="1745288957"/>
+                    </a:ext>
+                  </a:extLst>
+                </a:gridCol>
+                <a:gridCol w="2068100">
+                  <a:extLst>
+                    <a:ext uri="{9D8B030D-6E8A-4147-A177-3AD203B41FA5}">
+                      <a16:colId xmlns:a16="http://schemas.microsoft.com/office/drawing/2014/main" val="3596749631"/>
+                    </a:ext>
+                  </a:extLst>
+                </a:gridCol>
+                <a:gridCol w="2068100">
+                  <a:extLst>
+                    <a:ext uri="{9D8B030D-6E8A-4147-A177-3AD203B41FA5}">
+                      <a16:colId xmlns:a16="http://schemas.microsoft.com/office/drawing/2014/main" val="3728665841"/>
+                    </a:ext>
+                  </a:extLst>
+                </a:gridCol>
+                <a:gridCol w="2068100">
+                  <a:extLst>
+                    <a:ext uri="{9D8B030D-6E8A-4147-A177-3AD203B41FA5}">
+                      <a16:colId xmlns:a16="http://schemas.microsoft.com/office/drawing/2014/main" val="2210708442"/>
+                    </a:ext>
+                  </a:extLst>
+                </a:gridCol>
+                <a:gridCol w="2068100">
+                  <a:extLst>
+                    <a:ext uri="{9D8B030D-6E8A-4147-A177-3AD203B41FA5}">
+                      <a16:colId xmlns:a16="http://schemas.microsoft.com/office/drawing/2014/main" val="4122421081"/>
+                    </a:ext>
+                  </a:extLst>
+                </a:gridCol>
+              </a:tblGrid>
+              <a:tr h="298424">
+                <a:tc>
+                  <a:txBody>
+                    <a:bodyPr/>
+                    <a:lstStyle/>
+                    <a:p>
+                      <a:r>
+                        <a:rPr lang="sv-SE" dirty="0"/>
+                        <a:t>Input</a:t>
+                      </a:r>
+                    </a:p>
+                  </a:txBody>
+                  <a:tcPr/>
+                </a:tc>
+                <a:tc>
+                  <a:txBody>
+                    <a:bodyPr/>
+                    <a:lstStyle/>
+                    <a:p>
+                      <a:endParaRPr lang="sv-SE" dirty="0"/>
+                    </a:p>
+                  </a:txBody>
+                  <a:tcPr/>
+                </a:tc>
+                <a:tc>
+                  <a:txBody>
+                    <a:bodyPr/>
+                    <a:lstStyle/>
+                    <a:p>
+                      <a:r>
+                        <a:rPr lang="sv-SE" dirty="0"/>
+                        <a:t>Metod</a:t>
+                      </a:r>
+                    </a:p>
+                  </a:txBody>
+                  <a:tcPr/>
+                </a:tc>
+                <a:tc>
+                  <a:txBody>
+                    <a:bodyPr/>
+                    <a:lstStyle/>
+                    <a:p>
+                      <a:endParaRPr lang="sv-SE" dirty="0"/>
+                    </a:p>
+                  </a:txBody>
+                  <a:tcPr/>
+                </a:tc>
+                <a:tc>
+                  <a:txBody>
+                    <a:bodyPr/>
+                    <a:lstStyle/>
+                    <a:p>
+                      <a:r>
+                        <a:rPr lang="sv-SE" dirty="0"/>
+                        <a:t>Output</a:t>
+                      </a:r>
+                    </a:p>
+                  </a:txBody>
+                  <a:tcPr/>
+                </a:tc>
+                <a:extLst>
+                  <a:ext uri="{0D108BD9-81ED-4DB2-BD59-A6C34878D82A}">
+                    <a16:rowId xmlns:a16="http://schemas.microsoft.com/office/drawing/2014/main" val="436001981"/>
+                  </a:ext>
+                </a:extLst>
+              </a:tr>
+              <a:tr h="522242">
+                <a:tc>
+                  <a:txBody>
+                    <a:bodyPr/>
+                    <a:lstStyle/>
+                    <a:p>
+                      <a:pPr marL="0" marR="0" lvl="0" indent="0" algn="l" defTabSz="457200" rtl="0" eaLnBrk="1" fontAlgn="auto" latinLnBrk="0" hangingPunct="1">
+                        <a:lnSpc>
+                          <a:spcPct val="100000"/>
+                        </a:lnSpc>
+                        <a:spcBef>
+                          <a:spcPts val="0"/>
+                        </a:spcBef>
+                        <a:spcAft>
+                          <a:spcPts val="0"/>
+                        </a:spcAft>
+                        <a:buClrTx/>
+                        <a:buSzTx/>
+                        <a:buFontTx/>
+                        <a:buNone/>
+                        <a:tabLst/>
+                        <a:defRPr/>
+                      </a:pPr>
+                      <a:r>
+                        <a:rPr lang="sv-SE" dirty="0" err="1"/>
+                        <a:t>söktext</a:t>
+                      </a:r>
+                      <a:r>
+                        <a:rPr lang="sv-SE" dirty="0"/>
+                        <a:t> / artikeltext</a:t>
+                      </a:r>
+                    </a:p>
+                    <a:p>
+                      <a:endParaRPr lang="sv-SE" dirty="0"/>
+                    </a:p>
+                  </a:txBody>
+                  <a:tcPr/>
+                </a:tc>
+                <a:tc>
+                  <a:txBody>
+                    <a:bodyPr/>
+                    <a:lstStyle/>
+                    <a:p>
+                      <a:pPr algn="ctr"/>
+                      <a:r>
+                        <a:rPr lang="sv-SE" dirty="0">
+                          <a:sym typeface="Wingdings" panose="05000000000000000000" pitchFamily="2" charset="2"/>
+                        </a:rPr>
+                        <a:t></a:t>
+                      </a:r>
+                      <a:endParaRPr lang="sv-SE" dirty="0"/>
+                    </a:p>
+                  </a:txBody>
+                  <a:tcPr/>
+                </a:tc>
+                <a:tc>
+                  <a:txBody>
+                    <a:bodyPr/>
+                    <a:lstStyle/>
+                    <a:p>
+                      <a:r>
+                        <a:rPr lang="sv-SE" dirty="0"/>
+                        <a:t>pre-</a:t>
+                      </a:r>
+                      <a:r>
+                        <a:rPr lang="sv-SE" dirty="0" err="1"/>
+                        <a:t>processing</a:t>
+                      </a:r>
+                      <a:endParaRPr lang="sv-SE" dirty="0"/>
+                    </a:p>
+                  </a:txBody>
+                  <a:tcPr/>
+                </a:tc>
+                <a:tc>
+                  <a:txBody>
+                    <a:bodyPr/>
+                    <a:lstStyle/>
+                    <a:p>
+                      <a:pPr marL="0" marR="0" lvl="0" indent="0" algn="ctr" defTabSz="457200" rtl="0" eaLnBrk="1" fontAlgn="auto" latinLnBrk="0" hangingPunct="1">
+                        <a:lnSpc>
+                          <a:spcPct val="100000"/>
+                        </a:lnSpc>
+                        <a:spcBef>
+                          <a:spcPts val="0"/>
+                        </a:spcBef>
+                        <a:spcAft>
+                          <a:spcPts val="0"/>
+                        </a:spcAft>
+                        <a:buClrTx/>
+                        <a:buSzTx/>
+                        <a:buFontTx/>
+                        <a:buNone/>
+                        <a:tabLst/>
+                        <a:defRPr/>
+                      </a:pPr>
+                      <a:r>
+                        <a:rPr lang="sv-SE" dirty="0">
+                          <a:sym typeface="Wingdings" panose="05000000000000000000" pitchFamily="2" charset="2"/>
+                        </a:rPr>
+                        <a:t></a:t>
+                      </a:r>
+                      <a:endParaRPr lang="sv-SE" dirty="0"/>
+                    </a:p>
+                    <a:p>
+                      <a:pPr algn="ctr"/>
+                      <a:endParaRPr lang="sv-SE" dirty="0"/>
+                    </a:p>
+                  </a:txBody>
+                  <a:tcPr/>
+                </a:tc>
+                <a:tc>
+                  <a:txBody>
+                    <a:bodyPr/>
+                    <a:lstStyle/>
+                    <a:p>
+                      <a:r>
+                        <a:rPr lang="sv-SE" dirty="0" err="1"/>
+                        <a:t>tokentree</a:t>
+                      </a:r>
+                      <a:endParaRPr lang="sv-SE" dirty="0"/>
+                    </a:p>
+                  </a:txBody>
+                  <a:tcPr/>
+                </a:tc>
+                <a:extLst>
+                  <a:ext uri="{0D108BD9-81ED-4DB2-BD59-A6C34878D82A}">
+                    <a16:rowId xmlns:a16="http://schemas.microsoft.com/office/drawing/2014/main" val="3852606822"/>
+                  </a:ext>
+                </a:extLst>
+              </a:tr>
+              <a:tr h="522242">
+                <a:tc>
+                  <a:txBody>
+                    <a:bodyPr/>
+                    <a:lstStyle/>
+                    <a:p>
+                      <a:r>
+                        <a:rPr lang="sv-SE" dirty="0"/>
+                        <a:t>artikeltext</a:t>
+                      </a:r>
+                    </a:p>
+                  </a:txBody>
+                  <a:tcPr/>
+                </a:tc>
+                <a:tc>
+                  <a:txBody>
+                    <a:bodyPr/>
+                    <a:lstStyle/>
+                    <a:p>
+                      <a:pPr marL="0" marR="0" lvl="0" indent="0" algn="ctr" defTabSz="457200" rtl="0" eaLnBrk="1" fontAlgn="auto" latinLnBrk="0" hangingPunct="1">
+                        <a:lnSpc>
+                          <a:spcPct val="100000"/>
+                        </a:lnSpc>
+                        <a:spcBef>
+                          <a:spcPts val="0"/>
+                        </a:spcBef>
+                        <a:spcAft>
+                          <a:spcPts val="0"/>
+                        </a:spcAft>
+                        <a:buClrTx/>
+                        <a:buSzTx/>
+                        <a:buFontTx/>
+                        <a:buNone/>
+                        <a:tabLst/>
+                        <a:defRPr/>
+                      </a:pPr>
+                      <a:r>
+                        <a:rPr lang="sv-SE" dirty="0">
+                          <a:sym typeface="Wingdings" panose="05000000000000000000" pitchFamily="2" charset="2"/>
+                        </a:rPr>
+                        <a:t></a:t>
+                      </a:r>
+                      <a:endParaRPr lang="sv-SE" dirty="0"/>
+                    </a:p>
+                    <a:p>
+                      <a:pPr algn="ctr"/>
+                      <a:endParaRPr lang="sv-SE" dirty="0"/>
+                    </a:p>
+                  </a:txBody>
+                  <a:tcPr/>
+                </a:tc>
+                <a:tc>
+                  <a:txBody>
+                    <a:bodyPr/>
+                    <a:lstStyle/>
+                    <a:p>
+                      <a:r>
+                        <a:rPr lang="sv-SE" dirty="0" err="1"/>
+                        <a:t>summery</a:t>
+                      </a:r>
+                      <a:endParaRPr lang="sv-SE" dirty="0"/>
+                    </a:p>
+                  </a:txBody>
+                  <a:tcPr/>
+                </a:tc>
+                <a:tc>
+                  <a:txBody>
+                    <a:bodyPr/>
+                    <a:lstStyle/>
+                    <a:p>
+                      <a:pPr marL="0" marR="0" lvl="0" indent="0" algn="ctr" defTabSz="457200" rtl="0" eaLnBrk="1" fontAlgn="auto" latinLnBrk="0" hangingPunct="1">
+                        <a:lnSpc>
+                          <a:spcPct val="100000"/>
+                        </a:lnSpc>
+                        <a:spcBef>
+                          <a:spcPts val="0"/>
+                        </a:spcBef>
+                        <a:spcAft>
+                          <a:spcPts val="0"/>
+                        </a:spcAft>
+                        <a:buClrTx/>
+                        <a:buSzTx/>
+                        <a:buFontTx/>
+                        <a:buNone/>
+                        <a:tabLst/>
+                        <a:defRPr/>
+                      </a:pPr>
+                      <a:r>
+                        <a:rPr lang="sv-SE" dirty="0">
+                          <a:sym typeface="Wingdings" panose="05000000000000000000" pitchFamily="2" charset="2"/>
+                        </a:rPr>
+                        <a:t></a:t>
+                      </a:r>
+                      <a:endParaRPr lang="sv-SE" dirty="0"/>
+                    </a:p>
+                    <a:p>
+                      <a:pPr algn="ctr"/>
+                      <a:endParaRPr lang="sv-SE" dirty="0"/>
+                    </a:p>
+                  </a:txBody>
+                  <a:tcPr/>
+                </a:tc>
+                <a:tc>
+                  <a:txBody>
+                    <a:bodyPr/>
+                    <a:lstStyle/>
+                    <a:p>
+                      <a:r>
+                        <a:rPr lang="sv-SE" dirty="0"/>
+                        <a:t>10 meningar</a:t>
+                      </a:r>
+                    </a:p>
+                  </a:txBody>
+                  <a:tcPr/>
+                </a:tc>
+                <a:extLst>
+                  <a:ext uri="{0D108BD9-81ED-4DB2-BD59-A6C34878D82A}">
+                    <a16:rowId xmlns:a16="http://schemas.microsoft.com/office/drawing/2014/main" val="457963810"/>
+                  </a:ext>
+                </a:extLst>
+              </a:tr>
+              <a:tr h="522242">
+                <a:tc>
+                  <a:txBody>
+                    <a:bodyPr/>
+                    <a:lstStyle/>
+                    <a:p>
+                      <a:pPr marL="0" marR="0" lvl="0" indent="0" algn="l" defTabSz="457200" rtl="0" eaLnBrk="1" fontAlgn="auto" latinLnBrk="0" hangingPunct="1">
+                        <a:lnSpc>
+                          <a:spcPct val="100000"/>
+                        </a:lnSpc>
+                        <a:spcBef>
+                          <a:spcPts val="0"/>
+                        </a:spcBef>
+                        <a:spcAft>
+                          <a:spcPts val="0"/>
+                        </a:spcAft>
+                        <a:buClrTx/>
+                        <a:buSzTx/>
+                        <a:buFontTx/>
+                        <a:buNone/>
+                        <a:tabLst/>
+                        <a:defRPr/>
+                      </a:pPr>
+                      <a:r>
+                        <a:rPr lang="sv-SE" dirty="0" err="1"/>
+                        <a:t>söktext</a:t>
+                      </a:r>
+                      <a:r>
+                        <a:rPr lang="sv-SE" dirty="0"/>
+                        <a:t> / artikeltext</a:t>
+                      </a:r>
+                    </a:p>
+                    <a:p>
+                      <a:endParaRPr lang="sv-SE" dirty="0"/>
+                    </a:p>
+                  </a:txBody>
+                  <a:tcPr/>
+                </a:tc>
+                <a:tc>
+                  <a:txBody>
+                    <a:bodyPr/>
+                    <a:lstStyle/>
+                    <a:p>
+                      <a:pPr marL="0" marR="0" lvl="0" indent="0" algn="ctr" defTabSz="457200" rtl="0" eaLnBrk="1" fontAlgn="auto" latinLnBrk="0" hangingPunct="1">
+                        <a:lnSpc>
+                          <a:spcPct val="100000"/>
+                        </a:lnSpc>
+                        <a:spcBef>
+                          <a:spcPts val="0"/>
+                        </a:spcBef>
+                        <a:spcAft>
+                          <a:spcPts val="0"/>
+                        </a:spcAft>
+                        <a:buClrTx/>
+                        <a:buSzTx/>
+                        <a:buFontTx/>
+                        <a:buNone/>
+                        <a:tabLst/>
+                        <a:defRPr/>
+                      </a:pPr>
+                      <a:r>
+                        <a:rPr lang="sv-SE" dirty="0">
+                          <a:sym typeface="Wingdings" panose="05000000000000000000" pitchFamily="2" charset="2"/>
+                        </a:rPr>
+                        <a:t></a:t>
+                      </a:r>
+                      <a:endParaRPr lang="sv-SE" dirty="0"/>
+                    </a:p>
+                    <a:p>
+                      <a:pPr algn="ctr"/>
+                      <a:endParaRPr lang="sv-SE" dirty="0"/>
+                    </a:p>
+                  </a:txBody>
+                  <a:tcPr/>
+                </a:tc>
+                <a:tc>
+                  <a:txBody>
+                    <a:bodyPr/>
+                    <a:lstStyle/>
+                    <a:p>
+                      <a:r>
+                        <a:rPr lang="sv-SE" dirty="0"/>
+                        <a:t>match</a:t>
+                      </a:r>
+                    </a:p>
+                  </a:txBody>
+                  <a:tcPr/>
+                </a:tc>
+                <a:tc>
+                  <a:txBody>
+                    <a:bodyPr/>
+                    <a:lstStyle/>
+                    <a:p>
+                      <a:pPr marL="0" marR="0" lvl="0" indent="0" algn="ctr" defTabSz="457200" rtl="0" eaLnBrk="1" fontAlgn="auto" latinLnBrk="0" hangingPunct="1">
+                        <a:lnSpc>
+                          <a:spcPct val="100000"/>
+                        </a:lnSpc>
+                        <a:spcBef>
+                          <a:spcPts val="0"/>
+                        </a:spcBef>
+                        <a:spcAft>
+                          <a:spcPts val="0"/>
+                        </a:spcAft>
+                        <a:buClrTx/>
+                        <a:buSzTx/>
+                        <a:buFontTx/>
+                        <a:buNone/>
+                        <a:tabLst/>
+                        <a:defRPr/>
+                      </a:pPr>
+                      <a:r>
+                        <a:rPr lang="sv-SE" dirty="0">
+                          <a:sym typeface="Wingdings" panose="05000000000000000000" pitchFamily="2" charset="2"/>
+                        </a:rPr>
+                        <a:t></a:t>
+                      </a:r>
+                      <a:endParaRPr lang="sv-SE" dirty="0"/>
+                    </a:p>
+                    <a:p>
+                      <a:pPr algn="ctr"/>
+                      <a:endParaRPr lang="sv-SE" dirty="0"/>
+                    </a:p>
+                  </a:txBody>
+                  <a:tcPr/>
+                </a:tc>
+                <a:tc>
+                  <a:txBody>
+                    <a:bodyPr/>
+                    <a:lstStyle/>
+                    <a:p>
+                      <a:r>
+                        <a:rPr lang="sv-SE" dirty="0"/>
+                        <a:t>rankar </a:t>
+                      </a:r>
+                      <a:r>
+                        <a:rPr lang="sv-SE" dirty="0" err="1"/>
+                        <a:t>top</a:t>
+                      </a:r>
+                      <a:r>
+                        <a:rPr lang="sv-SE" dirty="0"/>
+                        <a:t> 5</a:t>
+                      </a:r>
+                    </a:p>
+                  </a:txBody>
+                  <a:tcPr/>
+                </a:tc>
+                <a:extLst>
+                  <a:ext uri="{0D108BD9-81ED-4DB2-BD59-A6C34878D82A}">
+                    <a16:rowId xmlns:a16="http://schemas.microsoft.com/office/drawing/2014/main" val="1424035561"/>
+                  </a:ext>
+                </a:extLst>
+              </a:tr>
+            </a:tbl>
+          </a:graphicData>
+        </a:graphic>
+      </p:graphicFrame>
+      <p:pic>
+        <p:nvPicPr>
+          <p:cNvPr id="7" name="Picture 4">
+            <a:extLst>
+              <a:ext uri="{FF2B5EF4-FFF2-40B4-BE49-F238E27FC236}">
+                <a16:creationId xmlns:a16="http://schemas.microsoft.com/office/drawing/2014/main" id="{75ABBAC8-0B86-490C-81BE-53AC40A3A48A}"/>
+              </a:ext>
+            </a:extLst>
+          </p:cNvPr>
+          <p:cNvPicPr>
+            <a:picLocks noChangeAspect="1" noChangeArrowheads="1"/>
+          </p:cNvPicPr>
+          <p:nvPr/>
+        </p:nvPicPr>
+        <p:blipFill>
+          <a:blip r:embed="rId2">
+            <a:extLst>
+              <a:ext uri="{28A0092B-C50C-407E-A947-70E740481C1C}">
+                <a14:useLocalDpi xmlns:a14="http://schemas.microsoft.com/office/drawing/2010/main" val="0"/>
+              </a:ext>
+            </a:extLst>
+          </a:blip>
+          <a:srcRect/>
+          <a:stretch>
+            <a:fillRect/>
+          </a:stretch>
+        </p:blipFill>
+        <p:spPr bwMode="auto">
+          <a:xfrm>
+            <a:off x="3814838" y="4746892"/>
+            <a:ext cx="4173191" cy="1489921"/>
+          </a:xfrm>
+          <a:prstGeom prst="rect">
+            <a:avLst/>
+          </a:prstGeom>
+          <a:noFill/>
+          <a:extLst>
+            <a:ext uri="{909E8E84-426E-40DD-AFC4-6F175D3DCCD1}">
+              <a14:hiddenFill xmlns:a14="http://schemas.microsoft.com/office/drawing/2010/main">
+                <a:solidFill>
+                  <a:srgbClr val="FFFFFF"/>
+                </a:solidFill>
+              </a14:hiddenFill>
+            </a:ext>
+          </a:extLst>
+        </p:spPr>
+      </p:pic>
+      <p:sp>
+        <p:nvSpPr>
+          <p:cNvPr id="14" name="textruta 13">
+            <a:extLst>
+              <a:ext uri="{FF2B5EF4-FFF2-40B4-BE49-F238E27FC236}">
+                <a16:creationId xmlns:a16="http://schemas.microsoft.com/office/drawing/2014/main" id="{CC3B9417-D9C0-46A6-864D-9B179EC51C18}"/>
+              </a:ext>
+            </a:extLst>
+          </p:cNvPr>
+          <p:cNvSpPr txBox="1"/>
+          <p:nvPr/>
+        </p:nvSpPr>
+        <p:spPr>
+          <a:xfrm>
+            <a:off x="3814838" y="5307187"/>
+            <a:ext cx="904673" cy="369332"/>
+          </a:xfrm>
+          <a:prstGeom prst="rect">
+            <a:avLst/>
+          </a:prstGeom>
+          <a:noFill/>
+        </p:spPr>
+        <p:txBody>
+          <a:bodyPr wrap="square" rtlCol="0">
+            <a:spAutoFit/>
+          </a:bodyPr>
+          <a:lstStyle/>
+          <a:p>
+            <a:r>
+              <a:rPr lang="sv-SE" dirty="0" err="1"/>
+              <a:t>spacy</a:t>
+            </a:r>
+            <a:endParaRPr lang="sv-SE" dirty="0"/>
           </a:p>
         </p:txBody>
       </p:sp>
@@ -6186,6 +6783,279 @@
           <p:cNvPr id="2" name="Rubrik 1">
             <a:extLst>
               <a:ext uri="{FF2B5EF4-FFF2-40B4-BE49-F238E27FC236}">
+                <a16:creationId xmlns:a16="http://schemas.microsoft.com/office/drawing/2014/main" id="{CAB8820C-29F3-46A3-879F-09C9D61D3B56}"/>
+              </a:ext>
+            </a:extLst>
+          </p:cNvPr>
+          <p:cNvSpPr>
+            <a:spLocks noGrp="1"/>
+          </p:cNvSpPr>
+          <p:nvPr>
+            <p:ph type="title"/>
+          </p:nvPr>
+        </p:nvSpPr>
+        <p:spPr>
+          <a:xfrm>
+            <a:off x="685801" y="282430"/>
+            <a:ext cx="10131425" cy="1009475"/>
+          </a:xfrm>
+        </p:spPr>
+        <p:txBody>
+          <a:bodyPr/>
+          <a:lstStyle/>
+          <a:p>
+            <a:pPr algn="ctr"/>
+            <a:r>
+              <a:rPr lang="sv-SE" sz="6000" dirty="0" err="1"/>
+              <a:t>SpaCy</a:t>
+            </a:r>
+            <a:r>
+              <a:rPr lang="sv-SE" dirty="0"/>
+              <a:t> - </a:t>
+            </a:r>
+            <a:r>
+              <a:rPr lang="sv-SE" sz="6000" dirty="0"/>
+              <a:t>NLP</a:t>
+            </a:r>
+          </a:p>
+        </p:txBody>
+      </p:sp>
+      <p:sp>
+        <p:nvSpPr>
+          <p:cNvPr id="11" name="textruta 10">
+            <a:extLst>
+              <a:ext uri="{FF2B5EF4-FFF2-40B4-BE49-F238E27FC236}">
+                <a16:creationId xmlns:a16="http://schemas.microsoft.com/office/drawing/2014/main" id="{A63DEE50-80B0-4320-90C9-7594FC480A2D}"/>
+              </a:ext>
+            </a:extLst>
+          </p:cNvPr>
+          <p:cNvSpPr txBox="1"/>
+          <p:nvPr/>
+        </p:nvSpPr>
+        <p:spPr>
+          <a:xfrm flipH="1">
+            <a:off x="1144944" y="1720840"/>
+            <a:ext cx="9876494" cy="3970318"/>
+          </a:xfrm>
+          <a:prstGeom prst="rect">
+            <a:avLst/>
+          </a:prstGeom>
+          <a:noFill/>
+        </p:spPr>
+        <p:txBody>
+          <a:bodyPr wrap="square" rtlCol="0">
+            <a:spAutoFit/>
+          </a:bodyPr>
+          <a:lstStyle/>
+          <a:p>
+            <a:r>
+              <a:rPr lang="sv-SE" u="sng" dirty="0"/>
+              <a:t>Prestanda</a:t>
+            </a:r>
+          </a:p>
+          <a:p>
+            <a:endParaRPr lang="sv-SE" dirty="0"/>
+          </a:p>
+          <a:p>
+            <a:r>
+              <a:rPr lang="sv-SE" dirty="0"/>
+              <a:t>Val av </a:t>
+            </a:r>
+            <a:r>
+              <a:rPr lang="sv-SE" dirty="0" err="1"/>
+              <a:t>Spacy</a:t>
+            </a:r>
+            <a:r>
+              <a:rPr lang="sv-SE" dirty="0"/>
+              <a:t> modell påverkar prestandan kraftigt</a:t>
+            </a:r>
+          </a:p>
+          <a:p>
+            <a:endParaRPr lang="sv-SE" dirty="0"/>
+          </a:p>
+          <a:p>
+            <a:pPr marL="285750" indent="-285750">
+              <a:buFont typeface="Arial" panose="020B0604020202020204" pitchFamily="34" charset="0"/>
+              <a:buChar char="•"/>
+            </a:pPr>
+            <a:r>
+              <a:rPr lang="sv-SE" dirty="0"/>
+              <a:t>När </a:t>
+            </a:r>
+            <a:r>
+              <a:rPr lang="sv-SE" dirty="0" err="1"/>
+              <a:t>söktext</a:t>
+            </a:r>
+            <a:r>
+              <a:rPr lang="sv-SE" dirty="0"/>
+              <a:t> eller liknande artiklar matchas används ”</a:t>
+            </a:r>
+            <a:r>
+              <a:rPr lang="sv-SE" dirty="0" err="1"/>
+              <a:t>lg</a:t>
+            </a:r>
+            <a:r>
+              <a:rPr lang="sv-SE" dirty="0"/>
+              <a:t>” modellen</a:t>
+            </a:r>
+          </a:p>
+          <a:p>
+            <a:pPr marL="285750" indent="-285750">
+              <a:buFont typeface="Arial" panose="020B0604020202020204" pitchFamily="34" charset="0"/>
+              <a:buChar char="•"/>
+            </a:pPr>
+            <a:endParaRPr lang="sv-SE" dirty="0"/>
+          </a:p>
+          <a:p>
+            <a:pPr marL="285750" indent="-285750">
+              <a:buFont typeface="Arial" panose="020B0604020202020204" pitchFamily="34" charset="0"/>
+              <a:buChar char="•"/>
+            </a:pPr>
+            <a:r>
+              <a:rPr lang="sv-SE" dirty="0"/>
+              <a:t>När </a:t>
+            </a:r>
+            <a:r>
+              <a:rPr lang="sv-SE" dirty="0" err="1"/>
+              <a:t>admin</a:t>
+            </a:r>
+            <a:r>
+              <a:rPr lang="sv-SE" dirty="0"/>
+              <a:t> lägger till artiklar i DB kan ”</a:t>
+            </a:r>
+            <a:r>
+              <a:rPr lang="sv-SE" dirty="0" err="1"/>
+              <a:t>trf</a:t>
+            </a:r>
+            <a:r>
+              <a:rPr lang="sv-SE" dirty="0"/>
+              <a:t>” modellen användas</a:t>
+            </a:r>
+          </a:p>
+          <a:p>
+            <a:pPr marL="285750" indent="-285750">
+              <a:buFont typeface="Arial" panose="020B0604020202020204" pitchFamily="34" charset="0"/>
+              <a:buChar char="•"/>
+            </a:pPr>
+            <a:endParaRPr lang="sv-SE" dirty="0"/>
+          </a:p>
+          <a:p>
+            <a:pPr marL="285750" indent="-285750">
+              <a:buFont typeface="Arial" panose="020B0604020202020204" pitchFamily="34" charset="0"/>
+              <a:buChar char="•"/>
+            </a:pPr>
+            <a:r>
+              <a:rPr lang="sv-SE" dirty="0"/>
+              <a:t>Bearbetning artikeltext är då redan gjord i DB</a:t>
+            </a:r>
+          </a:p>
+          <a:p>
+            <a:endParaRPr lang="sv-SE" dirty="0"/>
+          </a:p>
+          <a:p>
+            <a:endParaRPr lang="sv-SE" dirty="0"/>
+          </a:p>
+          <a:p>
+            <a:r>
+              <a:rPr lang="sv-SE" dirty="0"/>
+              <a:t>Om endast en viss funktionalitet behövs 	</a:t>
+            </a:r>
+            <a:r>
+              <a:rPr lang="sv-SE" dirty="0">
+                <a:sym typeface="Wingdings" panose="05000000000000000000" pitchFamily="2" charset="2"/>
+              </a:rPr>
+              <a:t> 	</a:t>
+            </a:r>
+            <a:r>
+              <a:rPr lang="sv-SE" dirty="0" err="1"/>
+              <a:t>Disable</a:t>
+            </a:r>
+            <a:r>
+              <a:rPr lang="sv-SE" dirty="0"/>
+              <a:t> </a:t>
+            </a:r>
+            <a:r>
+              <a:rPr lang="sv-SE" dirty="0" err="1"/>
+              <a:t>piplines</a:t>
+            </a:r>
+            <a:r>
+              <a:rPr lang="sv-SE" dirty="0"/>
+              <a:t>  	</a:t>
+            </a:r>
+            <a:r>
+              <a:rPr lang="sv-SE" dirty="0">
+                <a:sym typeface="Wingdings" panose="05000000000000000000" pitchFamily="2" charset="2"/>
+              </a:rPr>
+              <a:t>	 </a:t>
+            </a:r>
+            <a:r>
+              <a:rPr lang="sv-SE" dirty="0" err="1"/>
+              <a:t>doc</a:t>
+            </a:r>
+            <a:r>
+              <a:rPr lang="sv-SE" dirty="0"/>
+              <a:t> </a:t>
+            </a:r>
+            <a:r>
+              <a:rPr lang="sv-SE" dirty="0" err="1"/>
+              <a:t>obj</a:t>
+            </a:r>
+            <a:endParaRPr lang="sv-SE" dirty="0"/>
+          </a:p>
+          <a:p>
+            <a:r>
+              <a:rPr lang="sv-SE" dirty="0"/>
+              <a:t>Tex. när liknande artiklar matchas	där </a:t>
+            </a:r>
+            <a:r>
+              <a:rPr lang="sv-SE" dirty="0" err="1"/>
+              <a:t>toketrees</a:t>
+            </a:r>
+            <a:r>
+              <a:rPr lang="sv-SE" dirty="0"/>
+              <a:t> jämförs  </a:t>
+            </a:r>
+          </a:p>
+          <a:p>
+            <a:endParaRPr lang="sv-SE" dirty="0"/>
+          </a:p>
+        </p:txBody>
+      </p:sp>
+    </p:spTree>
+    <p:extLst>
+      <p:ext uri="{BB962C8B-B14F-4D97-AF65-F5344CB8AC3E}">
+        <p14:creationId xmlns:p14="http://schemas.microsoft.com/office/powerpoint/2010/main" val="4159117005"/>
+      </p:ext>
+    </p:extLst>
+  </p:cSld>
+  <p:clrMapOvr>
+    <a:masterClrMapping/>
+  </p:clrMapOvr>
+</p:sld>
+</file>
+
+<file path=ppt/slides/slide6.xml><?xml version="1.0" encoding="utf-8"?>
+<p:sld xmlns:a="http://schemas.openxmlformats.org/drawingml/2006/main" xmlns:r="http://schemas.openxmlformats.org/officeDocument/2006/relationships" xmlns:p="http://schemas.openxmlformats.org/presentationml/2006/main">
+  <p:cSld>
+    <p:spTree>
+      <p:nvGrpSpPr>
+        <p:cNvPr id="1" name=""/>
+        <p:cNvGrpSpPr/>
+        <p:nvPr/>
+      </p:nvGrpSpPr>
+      <p:grpSpPr>
+        <a:xfrm>
+          <a:off x="0" y="0"/>
+          <a:ext cx="0" cy="0"/>
+          <a:chOff x="0" y="0"/>
+          <a:chExt cx="0" cy="0"/>
+        </a:xfrm>
+      </p:grpSpPr>
+      <p:sp>
+        <p:nvSpPr>
+          <p:cNvPr id="2" name="Rubrik 1">
+            <a:extLst>
+              <a:ext uri="{FF2B5EF4-FFF2-40B4-BE49-F238E27FC236}">
                 <a16:creationId xmlns:a16="http://schemas.microsoft.com/office/drawing/2014/main" id="{65AC390F-093D-46EC-BED9-37414EE21859}"/>
               </a:ext>
             </a:extLst>
@@ -6302,7 +7172,7 @@
 </p:sld>
 </file>
 
-<file path=ppt/slides/slide6.xml><?xml version="1.0" encoding="utf-8"?>
+<file path=ppt/slides/slide7.xml><?xml version="1.0" encoding="utf-8"?>
 <p:sld xmlns:a="http://schemas.openxmlformats.org/drawingml/2006/main" xmlns:r="http://schemas.openxmlformats.org/officeDocument/2006/relationships" xmlns:p="http://schemas.openxmlformats.org/presentationml/2006/main">
   <p:cSld>
     <p:spTree>

--- a/documentation/Grupp 3.pptx
+++ b/documentation/Grupp 3.pptx
@@ -348,7 +348,7 @@
             <a:fld id="{B61BEF0D-F0BB-DE4B-95CE-6DB70DBA9567}" type="datetimeFigureOut">
               <a:rPr lang="en-US" dirty="0"/>
               <a:pPr/>
-              <a:t>6/8/2021</a:t>
+              <a:t>6/9/2021</a:t>
             </a:fld>
             <a:endParaRPr lang="en-US" dirty="0"/>
           </a:p>
@@ -679,7 +679,7 @@
             <a:fld id="{B61BEF0D-F0BB-DE4B-95CE-6DB70DBA9567}" type="datetimeFigureOut">
               <a:rPr lang="en-US" dirty="0"/>
               <a:pPr/>
-              <a:t>6/8/2021</a:t>
+              <a:t>6/9/2021</a:t>
             </a:fld>
             <a:endParaRPr lang="en-US" dirty="0"/>
           </a:p>
@@ -954,7 +954,7 @@
             <a:fld id="{B61BEF0D-F0BB-DE4B-95CE-6DB70DBA9567}" type="datetimeFigureOut">
               <a:rPr lang="en-US" dirty="0"/>
               <a:pPr/>
-              <a:t>6/8/2021</a:t>
+              <a:t>6/9/2021</a:t>
             </a:fld>
             <a:endParaRPr lang="en-US" dirty="0"/>
           </a:p>
@@ -1519,7 +1519,7 @@
             <a:fld id="{B61BEF0D-F0BB-DE4B-95CE-6DB70DBA9567}" type="datetimeFigureOut">
               <a:rPr lang="en-US" dirty="0"/>
               <a:pPr/>
-              <a:t>6/8/2021</a:t>
+              <a:t>6/9/2021</a:t>
             </a:fld>
             <a:endParaRPr lang="en-US" dirty="0"/>
           </a:p>
@@ -1794,7 +1794,7 @@
             <a:fld id="{B61BEF0D-F0BB-DE4B-95CE-6DB70DBA9567}" type="datetimeFigureOut">
               <a:rPr lang="en-US" dirty="0"/>
               <a:pPr/>
-              <a:t>6/8/2021</a:t>
+              <a:t>6/9/2021</a:t>
             </a:fld>
             <a:endParaRPr lang="en-US" dirty="0"/>
           </a:p>
@@ -2353,7 +2353,7 @@
             <a:fld id="{B61BEF0D-F0BB-DE4B-95CE-6DB70DBA9567}" type="datetimeFigureOut">
               <a:rPr lang="en-US" dirty="0"/>
               <a:pPr/>
-              <a:t>6/8/2021</a:t>
+              <a:t>6/9/2021</a:t>
             </a:fld>
             <a:endParaRPr lang="en-US" dirty="0"/>
           </a:p>
@@ -2677,7 +2677,7 @@
             <a:fld id="{B61BEF0D-F0BB-DE4B-95CE-6DB70DBA9567}" type="datetimeFigureOut">
               <a:rPr lang="en-US" dirty="0"/>
               <a:pPr/>
-              <a:t>6/8/2021</a:t>
+              <a:t>6/9/2021</a:t>
             </a:fld>
             <a:endParaRPr lang="en-US" dirty="0"/>
           </a:p>
@@ -2851,7 +2851,7 @@
             <a:fld id="{B61BEF0D-F0BB-DE4B-95CE-6DB70DBA9567}" type="datetimeFigureOut">
               <a:rPr lang="en-US" dirty="0"/>
               <a:pPr/>
-              <a:t>6/8/2021</a:t>
+              <a:t>6/9/2021</a:t>
             </a:fld>
             <a:endParaRPr lang="en-US" dirty="0"/>
           </a:p>
@@ -3086,7 +3086,7 @@
             <a:fld id="{B61BEF0D-F0BB-DE4B-95CE-6DB70DBA9567}" type="datetimeFigureOut">
               <a:rPr lang="en-US" dirty="0"/>
               <a:pPr/>
-              <a:t>6/8/2021</a:t>
+              <a:t>6/9/2021</a:t>
             </a:fld>
             <a:endParaRPr lang="en-US" dirty="0"/>
           </a:p>
@@ -3283,7 +3283,7 @@
             <a:fld id="{B61BEF0D-F0BB-DE4B-95CE-6DB70DBA9567}" type="datetimeFigureOut">
               <a:rPr lang="en-US" dirty="0"/>
               <a:pPr/>
-              <a:t>6/8/2021</a:t>
+              <a:t>6/9/2021</a:t>
             </a:fld>
             <a:endParaRPr lang="en-US" dirty="0"/>
           </a:p>
@@ -3556,7 +3556,7 @@
             <a:fld id="{B61BEF0D-F0BB-DE4B-95CE-6DB70DBA9567}" type="datetimeFigureOut">
               <a:rPr lang="en-US" dirty="0"/>
               <a:pPr/>
-              <a:t>6/8/2021</a:t>
+              <a:t>6/9/2021</a:t>
             </a:fld>
             <a:endParaRPr lang="en-US" dirty="0"/>
           </a:p>
@@ -3819,7 +3819,7 @@
             <a:fld id="{B61BEF0D-F0BB-DE4B-95CE-6DB70DBA9567}" type="datetimeFigureOut">
               <a:rPr lang="en-US" dirty="0"/>
               <a:pPr/>
-              <a:t>6/8/2021</a:t>
+              <a:t>6/9/2021</a:t>
             </a:fld>
             <a:endParaRPr lang="en-US" dirty="0"/>
           </a:p>
@@ -4190,7 +4190,7 @@
             <a:fld id="{B61BEF0D-F0BB-DE4B-95CE-6DB70DBA9567}" type="datetimeFigureOut">
               <a:rPr lang="en-US" dirty="0"/>
               <a:pPr/>
-              <a:t>6/8/2021</a:t>
+              <a:t>6/9/2021</a:t>
             </a:fld>
             <a:endParaRPr lang="en-US" dirty="0"/>
           </a:p>
@@ -4335,7 +4335,7 @@
             <a:fld id="{B61BEF0D-F0BB-DE4B-95CE-6DB70DBA9567}" type="datetimeFigureOut">
               <a:rPr lang="en-US" dirty="0"/>
               <a:pPr/>
-              <a:t>6/8/2021</a:t>
+              <a:t>6/9/2021</a:t>
             </a:fld>
             <a:endParaRPr lang="en-US" dirty="0"/>
           </a:p>
@@ -4457,7 +4457,7 @@
             <a:fld id="{B61BEF0D-F0BB-DE4B-95CE-6DB70DBA9567}" type="datetimeFigureOut">
               <a:rPr lang="en-US" dirty="0"/>
               <a:pPr/>
-              <a:t>6/8/2021</a:t>
+              <a:t>6/9/2021</a:t>
             </a:fld>
             <a:endParaRPr lang="en-US" dirty="0"/>
           </a:p>
@@ -4739,7 +4739,7 @@
             <a:fld id="{B61BEF0D-F0BB-DE4B-95CE-6DB70DBA9567}" type="datetimeFigureOut">
               <a:rPr lang="en-US" dirty="0"/>
               <a:pPr/>
-              <a:t>6/8/2021</a:t>
+              <a:t>6/9/2021</a:t>
             </a:fld>
             <a:endParaRPr lang="en-US" dirty="0"/>
           </a:p>
@@ -5060,7 +5060,7 @@
             <a:fld id="{B61BEF0D-F0BB-DE4B-95CE-6DB70DBA9567}" type="datetimeFigureOut">
               <a:rPr lang="en-US" dirty="0"/>
               <a:pPr/>
-              <a:t>6/8/2021</a:t>
+              <a:t>6/9/2021</a:t>
             </a:fld>
             <a:endParaRPr lang="en-US" dirty="0"/>
           </a:p>
@@ -5271,7 +5271,7 @@
             <a:fld id="{B61BEF0D-F0BB-DE4B-95CE-6DB70DBA9567}" type="datetimeFigureOut">
               <a:rPr lang="en-US" dirty="0"/>
               <a:pPr/>
-              <a:t>6/8/2021</a:t>
+              <a:t>6/9/2021</a:t>
             </a:fld>
             <a:endParaRPr lang="en-US" dirty="0"/>
           </a:p>
@@ -6140,7 +6140,7 @@
           <p:nvPr>
             <p:extLst>
               <p:ext uri="{D42A27DB-BD31-4B8C-83A1-F6EECF244321}">
-                <p14:modId xmlns:p14="http://schemas.microsoft.com/office/powerpoint/2010/main" val="1557224132"/>
+                <p14:modId xmlns:p14="http://schemas.microsoft.com/office/powerpoint/2010/main" val="2941110843"/>
               </p:ext>
             </p:extLst>
           </p:nvPr>
@@ -6374,8 +6374,12 @@
                     <a:lstStyle/>
                     <a:p>
                       <a:r>
+                        <a:rPr lang="sv-SE" dirty="0"/>
+                        <a:t>token </a:t>
+                      </a:r>
+                      <a:r>
                         <a:rPr lang="sv-SE" dirty="0" err="1"/>
-                        <a:t>tokentree</a:t>
+                        <a:t>tree</a:t>
                       </a:r>
                       <a:endParaRPr lang="sv-SE" dirty="0"/>
                     </a:p>
@@ -6641,15 +6645,7 @@
                     <a:p>
                       <a:r>
                         <a:rPr lang="sv-SE" dirty="0"/>
-                        <a:t>rankar </a:t>
-                      </a:r>
-                      <a:r>
-                        <a:rPr lang="sv-SE" dirty="0" err="1"/>
-                        <a:t>top</a:t>
-                      </a:r>
-                      <a:r>
-                        <a:rPr lang="sv-SE" dirty="0"/>
-                        <a:t> 5</a:t>
+                        <a:t>rankar topp 5</a:t>
                       </a:r>
                     </a:p>
                   </a:txBody>
@@ -6880,7 +6876,7 @@
             </a:pPr>
             <a:r>
               <a:rPr lang="sv-SE" dirty="0"/>
-              <a:t>När </a:t>
+              <a:t>När en </a:t>
             </a:r>
             <a:r>
               <a:rPr lang="sv-SE" dirty="0" err="1"/>
@@ -6946,7 +6942,7 @@
             </a:pPr>
             <a:r>
               <a:rPr lang="sv-SE" dirty="0"/>
-              <a:t>Bearbetning artikeltext är då redan gjord i DB</a:t>
+              <a:t>Då är bearbetning av artikeltexten redan gjord i DB</a:t>
             </a:r>
           </a:p>
           <a:p>
@@ -7005,11 +7001,11 @@
           <a:p>
             <a:r>
               <a:rPr lang="sv-SE" dirty="0"/>
-              <a:t>Tex. när liknande artiklar matchas	där </a:t>
+              <a:t>Ex. på användning är när liknande artiklar matchas, där token </a:t>
             </a:r>
             <a:r>
               <a:rPr lang="sv-SE" dirty="0" err="1"/>
-              <a:t>toketrees</a:t>
+              <a:t>trees</a:t>
             </a:r>
             <a:r>
               <a:rPr lang="sv-SE" dirty="0"/>

--- a/documentation/Grupp 3.pptx
+++ b/documentation/Grupp 3.pptx
@@ -8,10 +8,12 @@
     <p:sldId id="256" r:id="rId2"/>
     <p:sldId id="257" r:id="rId3"/>
     <p:sldId id="258" r:id="rId4"/>
-    <p:sldId id="259" r:id="rId5"/>
-    <p:sldId id="262" r:id="rId6"/>
-    <p:sldId id="260" r:id="rId7"/>
-    <p:sldId id="261" r:id="rId8"/>
+    <p:sldId id="262" r:id="rId5"/>
+    <p:sldId id="259" r:id="rId6"/>
+    <p:sldId id="263" r:id="rId7"/>
+    <p:sldId id="264" r:id="rId8"/>
+    <p:sldId id="260" r:id="rId9"/>
+    <p:sldId id="261" r:id="rId10"/>
   </p:sldIdLst>
   <p:sldSz cx="12192000" cy="6858000"/>
   <p:notesSz cx="6858000" cy="9144000"/>
@@ -6099,6 +6101,279 @@
         </p:nvSpPr>
         <p:spPr>
           <a:xfrm>
+            <a:off x="685801" y="282430"/>
+            <a:ext cx="10131425" cy="1009475"/>
+          </a:xfrm>
+        </p:spPr>
+        <p:txBody>
+          <a:bodyPr/>
+          <a:lstStyle/>
+          <a:p>
+            <a:pPr algn="ctr"/>
+            <a:r>
+              <a:rPr lang="sv-SE" sz="6000" dirty="0" err="1"/>
+              <a:t>SpaCy</a:t>
+            </a:r>
+            <a:r>
+              <a:rPr lang="sv-SE" dirty="0"/>
+              <a:t> - </a:t>
+            </a:r>
+            <a:r>
+              <a:rPr lang="sv-SE" sz="6000" dirty="0"/>
+              <a:t>NLP</a:t>
+            </a:r>
+          </a:p>
+        </p:txBody>
+      </p:sp>
+      <p:sp>
+        <p:nvSpPr>
+          <p:cNvPr id="11" name="textruta 10">
+            <a:extLst>
+              <a:ext uri="{FF2B5EF4-FFF2-40B4-BE49-F238E27FC236}">
+                <a16:creationId xmlns:a16="http://schemas.microsoft.com/office/drawing/2014/main" id="{A63DEE50-80B0-4320-90C9-7594FC480A2D}"/>
+              </a:ext>
+            </a:extLst>
+          </p:cNvPr>
+          <p:cNvSpPr txBox="1"/>
+          <p:nvPr/>
+        </p:nvSpPr>
+        <p:spPr>
+          <a:xfrm flipH="1">
+            <a:off x="1144944" y="1720840"/>
+            <a:ext cx="9876494" cy="3970318"/>
+          </a:xfrm>
+          <a:prstGeom prst="rect">
+            <a:avLst/>
+          </a:prstGeom>
+          <a:noFill/>
+        </p:spPr>
+        <p:txBody>
+          <a:bodyPr wrap="square" rtlCol="0">
+            <a:spAutoFit/>
+          </a:bodyPr>
+          <a:lstStyle/>
+          <a:p>
+            <a:r>
+              <a:rPr lang="sv-SE" u="sng" dirty="0"/>
+              <a:t>Prestanda</a:t>
+            </a:r>
+          </a:p>
+          <a:p>
+            <a:endParaRPr lang="sv-SE" dirty="0"/>
+          </a:p>
+          <a:p>
+            <a:r>
+              <a:rPr lang="sv-SE" dirty="0"/>
+              <a:t>Val av </a:t>
+            </a:r>
+            <a:r>
+              <a:rPr lang="sv-SE" dirty="0" err="1"/>
+              <a:t>Spacy</a:t>
+            </a:r>
+            <a:r>
+              <a:rPr lang="sv-SE" dirty="0"/>
+              <a:t> modell påverkar prestandan kraftigt</a:t>
+            </a:r>
+          </a:p>
+          <a:p>
+            <a:endParaRPr lang="sv-SE" dirty="0"/>
+          </a:p>
+          <a:p>
+            <a:pPr marL="285750" indent="-285750">
+              <a:buFont typeface="Arial" panose="020B0604020202020204" pitchFamily="34" charset="0"/>
+              <a:buChar char="•"/>
+            </a:pPr>
+            <a:r>
+              <a:rPr lang="sv-SE" dirty="0"/>
+              <a:t>När en </a:t>
+            </a:r>
+            <a:r>
+              <a:rPr lang="sv-SE" dirty="0" err="1"/>
+              <a:t>söktext</a:t>
+            </a:r>
+            <a:r>
+              <a:rPr lang="sv-SE" dirty="0"/>
+              <a:t> eller liknande artiklar matchas används ”</a:t>
+            </a:r>
+            <a:r>
+              <a:rPr lang="sv-SE" dirty="0" err="1"/>
+              <a:t>lg</a:t>
+            </a:r>
+            <a:r>
+              <a:rPr lang="sv-SE" dirty="0"/>
+              <a:t>” modellen</a:t>
+            </a:r>
+          </a:p>
+          <a:p>
+            <a:pPr marL="285750" indent="-285750">
+              <a:buFont typeface="Arial" panose="020B0604020202020204" pitchFamily="34" charset="0"/>
+              <a:buChar char="•"/>
+            </a:pPr>
+            <a:endParaRPr lang="sv-SE" dirty="0"/>
+          </a:p>
+          <a:p>
+            <a:pPr marL="285750" indent="-285750">
+              <a:buFont typeface="Arial" panose="020B0604020202020204" pitchFamily="34" charset="0"/>
+              <a:buChar char="•"/>
+            </a:pPr>
+            <a:r>
+              <a:rPr lang="sv-SE" dirty="0"/>
+              <a:t>När </a:t>
+            </a:r>
+            <a:r>
+              <a:rPr lang="sv-SE" dirty="0" err="1"/>
+              <a:t>admin</a:t>
+            </a:r>
+            <a:r>
+              <a:rPr lang="sv-SE" dirty="0"/>
+              <a:t> lägger till artiklar i DB kan ”</a:t>
+            </a:r>
+            <a:r>
+              <a:rPr lang="sv-SE" dirty="0" err="1"/>
+              <a:t>trf</a:t>
+            </a:r>
+            <a:r>
+              <a:rPr lang="sv-SE" dirty="0"/>
+              <a:t>” modellen användas</a:t>
+            </a:r>
+          </a:p>
+          <a:p>
+            <a:pPr marL="285750" indent="-285750">
+              <a:buFont typeface="Arial" panose="020B0604020202020204" pitchFamily="34" charset="0"/>
+              <a:buChar char="•"/>
+            </a:pPr>
+            <a:endParaRPr lang="sv-SE" dirty="0"/>
+          </a:p>
+          <a:p>
+            <a:pPr marL="285750" indent="-285750">
+              <a:buFont typeface="Arial" panose="020B0604020202020204" pitchFamily="34" charset="0"/>
+              <a:buChar char="•"/>
+            </a:pPr>
+            <a:r>
+              <a:rPr lang="sv-SE" dirty="0"/>
+              <a:t>Då är bearbetning av artikeltexten redan gjord i DB</a:t>
+            </a:r>
+          </a:p>
+          <a:p>
+            <a:endParaRPr lang="sv-SE" dirty="0"/>
+          </a:p>
+          <a:p>
+            <a:endParaRPr lang="sv-SE" dirty="0"/>
+          </a:p>
+          <a:p>
+            <a:r>
+              <a:rPr lang="sv-SE" dirty="0"/>
+              <a:t>Om endast en viss funktionalitet behövs 	</a:t>
+            </a:r>
+            <a:r>
+              <a:rPr lang="sv-SE" dirty="0">
+                <a:sym typeface="Wingdings" panose="05000000000000000000" pitchFamily="2" charset="2"/>
+              </a:rPr>
+              <a:t> 	</a:t>
+            </a:r>
+            <a:r>
+              <a:rPr lang="sv-SE" dirty="0" err="1"/>
+              <a:t>Disable</a:t>
+            </a:r>
+            <a:r>
+              <a:rPr lang="sv-SE" dirty="0"/>
+              <a:t> </a:t>
+            </a:r>
+            <a:r>
+              <a:rPr lang="sv-SE" dirty="0" err="1"/>
+              <a:t>piplines</a:t>
+            </a:r>
+            <a:r>
+              <a:rPr lang="sv-SE" dirty="0"/>
+              <a:t>  	</a:t>
+            </a:r>
+            <a:r>
+              <a:rPr lang="sv-SE" dirty="0">
+                <a:sym typeface="Wingdings" panose="05000000000000000000" pitchFamily="2" charset="2"/>
+              </a:rPr>
+              <a:t>	 </a:t>
+            </a:r>
+            <a:r>
+              <a:rPr lang="sv-SE" dirty="0" err="1"/>
+              <a:t>doc</a:t>
+            </a:r>
+            <a:r>
+              <a:rPr lang="sv-SE" dirty="0"/>
+              <a:t> </a:t>
+            </a:r>
+            <a:r>
+              <a:rPr lang="sv-SE" dirty="0" err="1"/>
+              <a:t>obj</a:t>
+            </a:r>
+            <a:endParaRPr lang="sv-SE" dirty="0"/>
+          </a:p>
+          <a:p>
+            <a:r>
+              <a:rPr lang="sv-SE" dirty="0"/>
+              <a:t>Ex. på användning är när liknande artiklar matchas, där token </a:t>
+            </a:r>
+            <a:r>
+              <a:rPr lang="sv-SE" dirty="0" err="1"/>
+              <a:t>trees</a:t>
+            </a:r>
+            <a:r>
+              <a:rPr lang="sv-SE" dirty="0"/>
+              <a:t> jämförs  </a:t>
+            </a:r>
+          </a:p>
+          <a:p>
+            <a:endParaRPr lang="sv-SE" dirty="0"/>
+          </a:p>
+        </p:txBody>
+      </p:sp>
+    </p:spTree>
+    <p:extLst>
+      <p:ext uri="{BB962C8B-B14F-4D97-AF65-F5344CB8AC3E}">
+        <p14:creationId xmlns:p14="http://schemas.microsoft.com/office/powerpoint/2010/main" val="4159117005"/>
+      </p:ext>
+    </p:extLst>
+  </p:cSld>
+  <p:clrMapOvr>
+    <a:masterClrMapping/>
+  </p:clrMapOvr>
+</p:sld>
+</file>
+
+<file path=ppt/slides/slide5.xml><?xml version="1.0" encoding="utf-8"?>
+<p:sld xmlns:a="http://schemas.openxmlformats.org/drawingml/2006/main" xmlns:r="http://schemas.openxmlformats.org/officeDocument/2006/relationships" xmlns:p="http://schemas.openxmlformats.org/presentationml/2006/main">
+  <p:cSld>
+    <p:spTree>
+      <p:nvGrpSpPr>
+        <p:cNvPr id="1" name=""/>
+        <p:cNvGrpSpPr/>
+        <p:nvPr/>
+      </p:nvGrpSpPr>
+      <p:grpSpPr>
+        <a:xfrm>
+          <a:off x="0" y="0"/>
+          <a:ext cx="0" cy="0"/>
+          <a:chOff x="0" y="0"/>
+          <a:chExt cx="0" cy="0"/>
+        </a:xfrm>
+      </p:grpSpPr>
+      <p:sp>
+        <p:nvSpPr>
+          <p:cNvPr id="2" name="Rubrik 1">
+            <a:extLst>
+              <a:ext uri="{FF2B5EF4-FFF2-40B4-BE49-F238E27FC236}">
+                <a16:creationId xmlns:a16="http://schemas.microsoft.com/office/drawing/2014/main" id="{CAB8820C-29F3-46A3-879F-09C9D61D3B56}"/>
+              </a:ext>
+            </a:extLst>
+          </p:cNvPr>
+          <p:cNvSpPr>
+            <a:spLocks noGrp="1"/>
+          </p:cNvSpPr>
+          <p:nvPr>
+            <p:ph type="title"/>
+          </p:nvPr>
+        </p:nvSpPr>
+        <p:spPr>
+          <a:xfrm>
             <a:off x="998708" y="385864"/>
             <a:ext cx="9820071" cy="586902"/>
           </a:xfrm>
@@ -6125,12 +6400,95 @@
           </a:p>
         </p:txBody>
       </p:sp>
+      <p:pic>
+        <p:nvPicPr>
+          <p:cNvPr id="7" name="Picture 4">
+            <a:extLst>
+              <a:ext uri="{FF2B5EF4-FFF2-40B4-BE49-F238E27FC236}">
+                <a16:creationId xmlns:a16="http://schemas.microsoft.com/office/drawing/2014/main" id="{75ABBAC8-0B86-490C-81BE-53AC40A3A48A}"/>
+              </a:ext>
+            </a:extLst>
+          </p:cNvPr>
+          <p:cNvPicPr>
+            <a:picLocks noChangeAspect="1" noChangeArrowheads="1"/>
+          </p:cNvPicPr>
+          <p:nvPr/>
+        </p:nvPicPr>
+        <p:blipFill>
+          <a:blip r:embed="rId2">
+            <a:extLst>
+              <a:ext uri="{28A0092B-C50C-407E-A947-70E740481C1C}">
+                <a14:useLocalDpi xmlns:a14="http://schemas.microsoft.com/office/drawing/2010/main" val="0"/>
+              </a:ext>
+            </a:extLst>
+          </a:blip>
+          <a:srcRect/>
+          <a:stretch>
+            <a:fillRect/>
+          </a:stretch>
+        </p:blipFill>
+        <p:spPr bwMode="auto">
+          <a:xfrm>
+            <a:off x="4009404" y="4340315"/>
+            <a:ext cx="4173191" cy="1489921"/>
+          </a:xfrm>
+          <a:prstGeom prst="rect">
+            <a:avLst/>
+          </a:prstGeom>
+          <a:noFill/>
+          <a:extLst>
+            <a:ext uri="{909E8E84-426E-40DD-AFC4-6F175D3DCCD1}">
+              <a14:hiddenFill xmlns:a14="http://schemas.microsoft.com/office/drawing/2010/main">
+                <a:solidFill>
+                  <a:srgbClr val="FFFFFF"/>
+                </a:solidFill>
+              </a14:hiddenFill>
+            </a:ext>
+          </a:extLst>
+        </p:spPr>
+      </p:pic>
+      <p:sp>
+        <p:nvSpPr>
+          <p:cNvPr id="14" name="textruta 13">
+            <a:extLst>
+              <a:ext uri="{FF2B5EF4-FFF2-40B4-BE49-F238E27FC236}">
+                <a16:creationId xmlns:a16="http://schemas.microsoft.com/office/drawing/2014/main" id="{CC3B9417-D9C0-46A6-864D-9B179EC51C18}"/>
+              </a:ext>
+            </a:extLst>
+          </p:cNvPr>
+          <p:cNvSpPr txBox="1"/>
+          <p:nvPr/>
+        </p:nvSpPr>
+        <p:spPr>
+          <a:xfrm>
+            <a:off x="3933203" y="4715943"/>
+            <a:ext cx="904673" cy="369332"/>
+          </a:xfrm>
+          <a:prstGeom prst="rect">
+            <a:avLst/>
+          </a:prstGeom>
+          <a:noFill/>
+        </p:spPr>
+        <p:txBody>
+          <a:bodyPr wrap="square" rtlCol="0">
+            <a:spAutoFit/>
+          </a:bodyPr>
+          <a:lstStyle/>
+          <a:p>
+            <a:r>
+              <a:rPr lang="sv-SE" dirty="0" err="1"/>
+              <a:t>spacy</a:t>
+            </a:r>
+            <a:endParaRPr lang="sv-SE" dirty="0"/>
+          </a:p>
+        </p:txBody>
+      </p:sp>
       <p:graphicFrame>
         <p:nvGraphicFramePr>
-          <p:cNvPr id="6" name="Tabell 9">
+          <p:cNvPr id="3" name="Tabell 3">
             <a:extLst>
               <a:ext uri="{FF2B5EF4-FFF2-40B4-BE49-F238E27FC236}">
-                <a16:creationId xmlns:a16="http://schemas.microsoft.com/office/drawing/2014/main" id="{A1F67E0D-C7F1-4866-A1A1-45DCAC446870}"/>
+                <a16:creationId xmlns:a16="http://schemas.microsoft.com/office/drawing/2014/main" id="{53597336-FD86-4CD5-B9DF-FC127146B8BF}"/>
               </a:ext>
             </a:extLst>
           </p:cNvPr>
@@ -6140,14 +6498,14 @@
           <p:nvPr>
             <p:extLst>
               <p:ext uri="{D42A27DB-BD31-4B8C-83A1-F6EECF244321}">
-                <p14:modId xmlns:p14="http://schemas.microsoft.com/office/powerpoint/2010/main" val="2941110843"/>
+                <p14:modId xmlns:p14="http://schemas.microsoft.com/office/powerpoint/2010/main" val="2989937772"/>
               </p:ext>
             </p:extLst>
           </p:nvPr>
         </p:nvGraphicFramePr>
         <p:xfrm>
-          <a:off x="925750" y="1655758"/>
-          <a:ext cx="10340500" cy="2286000"/>
+          <a:off x="998708" y="1311329"/>
+          <a:ext cx="10167060" cy="1938644"/>
         </p:xfrm>
         <a:graphic>
           <a:graphicData uri="http://schemas.openxmlformats.org/drawingml/2006/table">
@@ -6156,43 +6514,43 @@
                 <a:tableStyleId>{5C22544A-7EE6-4342-B048-85BDC9FD1C3A}</a:tableStyleId>
               </a:tblPr>
               <a:tblGrid>
-                <a:gridCol w="2068100">
+                <a:gridCol w="2033412">
                   <a:extLst>
                     <a:ext uri="{9D8B030D-6E8A-4147-A177-3AD203B41FA5}">
-                      <a16:colId xmlns:a16="http://schemas.microsoft.com/office/drawing/2014/main" val="1745288957"/>
+                      <a16:colId xmlns:a16="http://schemas.microsoft.com/office/drawing/2014/main" val="2299202446"/>
                     </a:ext>
                   </a:extLst>
                 </a:gridCol>
-                <a:gridCol w="2068100">
+                <a:gridCol w="2033412">
                   <a:extLst>
                     <a:ext uri="{9D8B030D-6E8A-4147-A177-3AD203B41FA5}">
-                      <a16:colId xmlns:a16="http://schemas.microsoft.com/office/drawing/2014/main" val="3596749631"/>
+                      <a16:colId xmlns:a16="http://schemas.microsoft.com/office/drawing/2014/main" val="1504850156"/>
                     </a:ext>
                   </a:extLst>
                 </a:gridCol>
-                <a:gridCol w="2068100">
+                <a:gridCol w="2033412">
                   <a:extLst>
                     <a:ext uri="{9D8B030D-6E8A-4147-A177-3AD203B41FA5}">
-                      <a16:colId xmlns:a16="http://schemas.microsoft.com/office/drawing/2014/main" val="3728665841"/>
+                      <a16:colId xmlns:a16="http://schemas.microsoft.com/office/drawing/2014/main" val="2899685345"/>
                     </a:ext>
                   </a:extLst>
                 </a:gridCol>
-                <a:gridCol w="2068100">
+                <a:gridCol w="2033412">
                   <a:extLst>
                     <a:ext uri="{9D8B030D-6E8A-4147-A177-3AD203B41FA5}">
-                      <a16:colId xmlns:a16="http://schemas.microsoft.com/office/drawing/2014/main" val="2210708442"/>
+                      <a16:colId xmlns:a16="http://schemas.microsoft.com/office/drawing/2014/main" val="857350641"/>
                     </a:ext>
                   </a:extLst>
                 </a:gridCol>
-                <a:gridCol w="2068100">
+                <a:gridCol w="2033412">
                   <a:extLst>
                     <a:ext uri="{9D8B030D-6E8A-4147-A177-3AD203B41FA5}">
-                      <a16:colId xmlns:a16="http://schemas.microsoft.com/office/drawing/2014/main" val="4122421081"/>
+                      <a16:colId xmlns:a16="http://schemas.microsoft.com/office/drawing/2014/main" val="3320501077"/>
                     </a:ext>
                   </a:extLst>
                 </a:gridCol>
               </a:tblGrid>
-              <a:tr h="298424">
+              <a:tr h="484661">
                 <a:tc>
                   <a:txBody>
                     <a:bodyPr/>
@@ -6254,43 +6612,59 @@
                 </a:tc>
                 <a:extLst>
                   <a:ext uri="{0D108BD9-81ED-4DB2-BD59-A6C34878D82A}">
-                    <a16:rowId xmlns:a16="http://schemas.microsoft.com/office/drawing/2014/main" val="436001981"/>
+                    <a16:rowId xmlns:a16="http://schemas.microsoft.com/office/drawing/2014/main" val="2097260934"/>
                   </a:ext>
                 </a:extLst>
               </a:tr>
-              <a:tr h="522242">
+              <a:tr h="484661">
                 <a:tc>
                   <a:txBody>
                     <a:bodyPr/>
                     <a:lstStyle/>
                     <a:p>
-                      <a:pPr marL="0" marR="0" lvl="0" indent="0" algn="l" defTabSz="457200" rtl="0" eaLnBrk="1" fontAlgn="auto" latinLnBrk="0" hangingPunct="1">
-                        <a:lnSpc>
-                          <a:spcPct val="100000"/>
-                        </a:lnSpc>
-                        <a:spcBef>
-                          <a:spcPts val="0"/>
-                        </a:spcBef>
-                        <a:spcAft>
-                          <a:spcPts val="0"/>
-                        </a:spcAft>
-                        <a:buClrTx/>
-                        <a:buSzTx/>
-                        <a:buFontTx/>
-                        <a:buNone/>
-                        <a:tabLst/>
-                        <a:defRPr/>
-                      </a:pPr>
                       <a:r>
                         <a:rPr lang="sv-SE" dirty="0" err="1"/>
-                        <a:t>söktext</a:t>
+                        <a:t>url</a:t>
                       </a:r>
                       <a:r>
                         <a:rPr lang="sv-SE" dirty="0"/>
-                        <a:t> / artikeltext</a:t>
+                        <a:t> för </a:t>
                       </a:r>
+                      <a:r>
+                        <a:rPr lang="sv-SE" dirty="0" err="1"/>
+                        <a:t>pdf</a:t>
+                      </a:r>
+                      <a:endParaRPr lang="sv-SE" dirty="0"/>
                     </a:p>
+                  </a:txBody>
+                  <a:tcPr/>
+                </a:tc>
+                <a:tc>
+                  <a:txBody>
+                    <a:bodyPr/>
+                    <a:lstStyle/>
                     <a:p>
+                      <a:pPr algn="ctr"/>
+                      <a:r>
+                        <a:rPr lang="sv-SE" dirty="0">
+                          <a:sym typeface="Wingdings" panose="05000000000000000000" pitchFamily="2" charset="2"/>
+                        </a:rPr>
+                        <a:t></a:t>
+                      </a:r>
+                      <a:endParaRPr lang="sv-SE" dirty="0"/>
+                    </a:p>
+                  </a:txBody>
+                  <a:tcPr/>
+                </a:tc>
+                <a:tc>
+                  <a:txBody>
+                    <a:bodyPr/>
+                    <a:lstStyle/>
+                    <a:p>
+                      <a:r>
+                        <a:rPr lang="sv-SE" dirty="0" err="1"/>
+                        <a:t>pdf_to_string</a:t>
+                      </a:r>
                       <a:endParaRPr lang="sv-SE" dirty="0"/>
                     </a:p>
                   </a:txBody>
@@ -6320,11 +6694,57 @@
                     <a:p>
                       <a:r>
                         <a:rPr lang="sv-SE" dirty="0"/>
-                        <a:t>pre-</a:t>
+                        <a:t>artikel textsträng</a:t>
                       </a:r>
+                    </a:p>
+                  </a:txBody>
+                  <a:tcPr/>
+                </a:tc>
+                <a:extLst>
+                  <a:ext uri="{0D108BD9-81ED-4DB2-BD59-A6C34878D82A}">
+                    <a16:rowId xmlns:a16="http://schemas.microsoft.com/office/drawing/2014/main" val="1192798364"/>
+                  </a:ext>
+                </a:extLst>
+              </a:tr>
+              <a:tr h="484661">
+                <a:tc>
+                  <a:txBody>
+                    <a:bodyPr/>
+                    <a:lstStyle/>
+                    <a:p>
+                      <a:r>
+                        <a:rPr lang="sv-SE" dirty="0"/>
+                        <a:t>artikel textsträng</a:t>
+                      </a:r>
+                    </a:p>
+                  </a:txBody>
+                  <a:tcPr/>
+                </a:tc>
+                <a:tc>
+                  <a:txBody>
+                    <a:bodyPr/>
+                    <a:lstStyle/>
+                    <a:p>
+                      <a:pPr algn="ctr"/>
+                      <a:r>
+                        <a:rPr lang="sv-SE" dirty="0">
+                          <a:sym typeface="Wingdings" panose="05000000000000000000" pitchFamily="2" charset="2"/>
+                        </a:rPr>
+                        <a:t></a:t>
+                      </a:r>
+                      <a:endParaRPr lang="sv-SE" dirty="0"/>
+                    </a:p>
+                  </a:txBody>
+                  <a:tcPr/>
+                </a:tc>
+                <a:tc>
+                  <a:txBody>
+                    <a:bodyPr/>
+                    <a:lstStyle/>
+                    <a:p>
                       <a:r>
                         <a:rPr lang="sv-SE" dirty="0" err="1"/>
-                        <a:t>processing</a:t>
+                        <a:t>pre_processing</a:t>
                       </a:r>
                       <a:endParaRPr lang="sv-SE" dirty="0"/>
                     </a:p>
@@ -6361,10 +6781,6 @@
                       </a:r>
                       <a:endParaRPr lang="sv-SE" dirty="0"/>
                     </a:p>
-                    <a:p>
-                      <a:pPr algn="ctr"/>
-                      <a:endParaRPr lang="sv-SE" dirty="0"/>
-                    </a:p>
                   </a:txBody>
                   <a:tcPr/>
                 </a:tc>
@@ -6388,11 +6804,11 @@
                 </a:tc>
                 <a:extLst>
                   <a:ext uri="{0D108BD9-81ED-4DB2-BD59-A6C34878D82A}">
-                    <a16:rowId xmlns:a16="http://schemas.microsoft.com/office/drawing/2014/main" val="3852606822"/>
+                    <a16:rowId xmlns:a16="http://schemas.microsoft.com/office/drawing/2014/main" val="3315005424"/>
                   </a:ext>
                 </a:extLst>
               </a:tr>
-              <a:tr h="522242">
+              <a:tr h="484661">
                 <a:tc>
                   <a:txBody>
                     <a:bodyPr/>
@@ -6400,7 +6816,7 @@
                     <a:p>
                       <a:r>
                         <a:rPr lang="sv-SE" dirty="0"/>
-                        <a:t>artikeltext</a:t>
+                        <a:t>artikel textsträng</a:t>
                       </a:r>
                     </a:p>
                   </a:txBody>
@@ -6434,10 +6850,6 @@
                         </a:rPr>
                         <a:t></a:t>
                       </a:r>
-                      <a:endParaRPr lang="sv-SE" dirty="0"/>
-                    </a:p>
-                    <a:p>
-                      <a:pPr algn="ctr"/>
                       <a:endParaRPr lang="sv-SE" dirty="0"/>
                     </a:p>
                   </a:txBody>
@@ -6487,10 +6899,6 @@
                       </a:r>
                       <a:endParaRPr lang="sv-SE" dirty="0"/>
                     </a:p>
-                    <a:p>
-                      <a:pPr algn="ctr"/>
-                      <a:endParaRPr lang="sv-SE" dirty="0"/>
-                    </a:p>
                   </a:txBody>
                   <a:tcPr/>
                 </a:tc>
@@ -6509,11 +6917,420 @@
                 </a:tc>
                 <a:extLst>
                   <a:ext uri="{0D108BD9-81ED-4DB2-BD59-A6C34878D82A}">
-                    <a16:rowId xmlns:a16="http://schemas.microsoft.com/office/drawing/2014/main" val="457963810"/>
+                    <a16:rowId xmlns:a16="http://schemas.microsoft.com/office/drawing/2014/main" val="1224022793"/>
                   </a:ext>
                 </a:extLst>
               </a:tr>
-              <a:tr h="522242">
+            </a:tbl>
+          </a:graphicData>
+        </a:graphic>
+      </p:graphicFrame>
+      <p:cxnSp>
+        <p:nvCxnSpPr>
+          <p:cNvPr id="5" name="Rak pilkoppling 4">
+            <a:extLst>
+              <a:ext uri="{FF2B5EF4-FFF2-40B4-BE49-F238E27FC236}">
+                <a16:creationId xmlns:a16="http://schemas.microsoft.com/office/drawing/2014/main" id="{1C9EAFD0-A112-4A1B-B891-F0CBEA83B103}"/>
+              </a:ext>
+            </a:extLst>
+          </p:cNvPr>
+          <p:cNvCxnSpPr>
+            <a:cxnSpLocks/>
+          </p:cNvCxnSpPr>
+          <p:nvPr/>
+        </p:nvCxnSpPr>
+        <p:spPr>
+          <a:xfrm>
+            <a:off x="5463932" y="4340315"/>
+            <a:ext cx="0" cy="929627"/>
+          </a:xfrm>
+          <a:prstGeom prst="straightConnector1">
+            <a:avLst/>
+          </a:prstGeom>
+          <a:ln>
+            <a:tailEnd type="triangle"/>
+          </a:ln>
+        </p:spPr>
+        <p:style>
+          <a:lnRef idx="1">
+            <a:schemeClr val="accent3"/>
+          </a:lnRef>
+          <a:fillRef idx="0">
+            <a:schemeClr val="accent3"/>
+          </a:fillRef>
+          <a:effectRef idx="0">
+            <a:schemeClr val="accent3"/>
+          </a:effectRef>
+          <a:fontRef idx="minor">
+            <a:schemeClr val="tx1"/>
+          </a:fontRef>
+        </p:style>
+      </p:cxnSp>
+      <p:cxnSp>
+        <p:nvCxnSpPr>
+          <p:cNvPr id="17" name="Rak pilkoppling 16">
+            <a:extLst>
+              <a:ext uri="{FF2B5EF4-FFF2-40B4-BE49-F238E27FC236}">
+                <a16:creationId xmlns:a16="http://schemas.microsoft.com/office/drawing/2014/main" id="{97629C21-D836-433C-87C8-9B53DA7DEFF9}"/>
+              </a:ext>
+            </a:extLst>
+          </p:cNvPr>
+          <p:cNvCxnSpPr/>
+          <p:nvPr/>
+        </p:nvCxnSpPr>
+        <p:spPr>
+          <a:xfrm flipH="1">
+            <a:off x="4211820" y="5250336"/>
+            <a:ext cx="1252112" cy="0"/>
+          </a:xfrm>
+          <a:prstGeom prst="straightConnector1">
+            <a:avLst/>
+          </a:prstGeom>
+          <a:ln>
+            <a:tailEnd type="triangle"/>
+          </a:ln>
+        </p:spPr>
+        <p:style>
+          <a:lnRef idx="1">
+            <a:schemeClr val="accent3"/>
+          </a:lnRef>
+          <a:fillRef idx="0">
+            <a:schemeClr val="accent3"/>
+          </a:fillRef>
+          <a:effectRef idx="0">
+            <a:schemeClr val="accent3"/>
+          </a:effectRef>
+          <a:fontRef idx="minor">
+            <a:schemeClr val="tx1"/>
+          </a:fontRef>
+        </p:style>
+      </p:cxnSp>
+      <p:cxnSp>
+        <p:nvCxnSpPr>
+          <p:cNvPr id="19" name="Rak pilkoppling 18">
+            <a:extLst>
+              <a:ext uri="{FF2B5EF4-FFF2-40B4-BE49-F238E27FC236}">
+                <a16:creationId xmlns:a16="http://schemas.microsoft.com/office/drawing/2014/main" id="{732B7899-E8F5-4ABB-9F75-45C59E56A8CB}"/>
+              </a:ext>
+            </a:extLst>
+          </p:cNvPr>
+          <p:cNvCxnSpPr/>
+          <p:nvPr/>
+        </p:nvCxnSpPr>
+        <p:spPr>
+          <a:xfrm>
+            <a:off x="4211820" y="5969056"/>
+            <a:ext cx="1654784" cy="0"/>
+          </a:xfrm>
+          <a:prstGeom prst="straightConnector1">
+            <a:avLst/>
+          </a:prstGeom>
+          <a:ln>
+            <a:tailEnd type="triangle"/>
+          </a:ln>
+        </p:spPr>
+        <p:style>
+          <a:lnRef idx="1">
+            <a:schemeClr val="accent6"/>
+          </a:lnRef>
+          <a:fillRef idx="0">
+            <a:schemeClr val="accent6"/>
+          </a:fillRef>
+          <a:effectRef idx="0">
+            <a:schemeClr val="accent6"/>
+          </a:effectRef>
+          <a:fontRef idx="minor">
+            <a:schemeClr val="tx1"/>
+          </a:fontRef>
+        </p:style>
+      </p:cxnSp>
+      <p:cxnSp>
+        <p:nvCxnSpPr>
+          <p:cNvPr id="20" name="Rak pilkoppling 19">
+            <a:extLst>
+              <a:ext uri="{FF2B5EF4-FFF2-40B4-BE49-F238E27FC236}">
+                <a16:creationId xmlns:a16="http://schemas.microsoft.com/office/drawing/2014/main" id="{E1ED4970-F1D0-4494-ADAD-EF33F48596B3}"/>
+              </a:ext>
+            </a:extLst>
+          </p:cNvPr>
+          <p:cNvCxnSpPr/>
+          <p:nvPr/>
+        </p:nvCxnSpPr>
+        <p:spPr>
+          <a:xfrm>
+            <a:off x="6095999" y="5969056"/>
+            <a:ext cx="1654784" cy="0"/>
+          </a:xfrm>
+          <a:prstGeom prst="straightConnector1">
+            <a:avLst/>
+          </a:prstGeom>
+          <a:ln>
+            <a:tailEnd type="triangle"/>
+          </a:ln>
+        </p:spPr>
+        <p:style>
+          <a:lnRef idx="1">
+            <a:schemeClr val="accent6"/>
+          </a:lnRef>
+          <a:fillRef idx="0">
+            <a:schemeClr val="accent6"/>
+          </a:fillRef>
+          <a:effectRef idx="0">
+            <a:schemeClr val="accent6"/>
+          </a:effectRef>
+          <a:fontRef idx="minor">
+            <a:schemeClr val="tx1"/>
+          </a:fontRef>
+        </p:style>
+      </p:cxnSp>
+      <p:sp>
+        <p:nvSpPr>
+          <p:cNvPr id="31" name="textruta 30">
+            <a:extLst>
+              <a:ext uri="{FF2B5EF4-FFF2-40B4-BE49-F238E27FC236}">
+                <a16:creationId xmlns:a16="http://schemas.microsoft.com/office/drawing/2014/main" id="{FAA78C43-604A-4F9C-AC21-E90C63D3C1FB}"/>
+              </a:ext>
+            </a:extLst>
+          </p:cNvPr>
+          <p:cNvSpPr txBox="1"/>
+          <p:nvPr/>
+        </p:nvSpPr>
+        <p:spPr>
+          <a:xfrm>
+            <a:off x="5584043" y="3788662"/>
+            <a:ext cx="1435917" cy="369332"/>
+          </a:xfrm>
+          <a:prstGeom prst="rect">
+            <a:avLst/>
+          </a:prstGeom>
+          <a:noFill/>
+        </p:spPr>
+        <p:txBody>
+          <a:bodyPr wrap="square" rtlCol="0">
+            <a:spAutoFit/>
+          </a:bodyPr>
+          <a:lstStyle/>
+          <a:p>
+            <a:r>
+              <a:rPr lang="sv-SE" dirty="0"/>
+              <a:t>1) </a:t>
+            </a:r>
+            <a:r>
+              <a:rPr lang="sv-SE" dirty="0" err="1"/>
+              <a:t>Admin</a:t>
+            </a:r>
+            <a:endParaRPr lang="sv-SE" dirty="0"/>
+          </a:p>
+        </p:txBody>
+      </p:sp>
+    </p:spTree>
+    <p:extLst>
+      <p:ext uri="{BB962C8B-B14F-4D97-AF65-F5344CB8AC3E}">
+        <p14:creationId xmlns:p14="http://schemas.microsoft.com/office/powerpoint/2010/main" val="810158222"/>
+      </p:ext>
+    </p:extLst>
+  </p:cSld>
+  <p:clrMapOvr>
+    <a:masterClrMapping/>
+  </p:clrMapOvr>
+</p:sld>
+</file>
+
+<file path=ppt/slides/slide6.xml><?xml version="1.0" encoding="utf-8"?>
+<p:sld xmlns:a="http://schemas.openxmlformats.org/drawingml/2006/main" xmlns:r="http://schemas.openxmlformats.org/officeDocument/2006/relationships" xmlns:p="http://schemas.openxmlformats.org/presentationml/2006/main">
+  <p:cSld>
+    <p:spTree>
+      <p:nvGrpSpPr>
+        <p:cNvPr id="1" name=""/>
+        <p:cNvGrpSpPr/>
+        <p:nvPr/>
+      </p:nvGrpSpPr>
+      <p:grpSpPr>
+        <a:xfrm>
+          <a:off x="0" y="0"/>
+          <a:ext cx="0" cy="0"/>
+          <a:chOff x="0" y="0"/>
+          <a:chExt cx="0" cy="0"/>
+        </a:xfrm>
+      </p:grpSpPr>
+      <p:sp>
+        <p:nvSpPr>
+          <p:cNvPr id="2" name="Rubrik 1">
+            <a:extLst>
+              <a:ext uri="{FF2B5EF4-FFF2-40B4-BE49-F238E27FC236}">
+                <a16:creationId xmlns:a16="http://schemas.microsoft.com/office/drawing/2014/main" id="{CAB8820C-29F3-46A3-879F-09C9D61D3B56}"/>
+              </a:ext>
+            </a:extLst>
+          </p:cNvPr>
+          <p:cNvSpPr>
+            <a:spLocks noGrp="1"/>
+          </p:cNvSpPr>
+          <p:nvPr>
+            <p:ph type="title"/>
+          </p:nvPr>
+        </p:nvSpPr>
+        <p:spPr>
+          <a:xfrm>
+            <a:off x="998708" y="385864"/>
+            <a:ext cx="9820071" cy="586902"/>
+          </a:xfrm>
+        </p:spPr>
+        <p:txBody>
+          <a:bodyPr>
+            <a:normAutofit fontScale="90000"/>
+          </a:bodyPr>
+          <a:lstStyle/>
+          <a:p>
+            <a:pPr algn="ctr"/>
+            <a:r>
+              <a:rPr lang="sv-SE" sz="6000" dirty="0" err="1"/>
+              <a:t>SpaCy</a:t>
+            </a:r>
+            <a:r>
+              <a:rPr lang="sv-SE" dirty="0"/>
+              <a:t> - </a:t>
+            </a:r>
+            <a:r>
+              <a:rPr lang="sv-SE" sz="6000" dirty="0"/>
+              <a:t>NLP</a:t>
+            </a:r>
+          </a:p>
+        </p:txBody>
+      </p:sp>
+      <p:graphicFrame>
+        <p:nvGraphicFramePr>
+          <p:cNvPr id="3" name="Tabell 3">
+            <a:extLst>
+              <a:ext uri="{FF2B5EF4-FFF2-40B4-BE49-F238E27FC236}">
+                <a16:creationId xmlns:a16="http://schemas.microsoft.com/office/drawing/2014/main" id="{53597336-FD86-4CD5-B9DF-FC127146B8BF}"/>
+              </a:ext>
+            </a:extLst>
+          </p:cNvPr>
+          <p:cNvGraphicFramePr>
+            <a:graphicFrameLocks noGrp="1"/>
+          </p:cNvGraphicFramePr>
+          <p:nvPr>
+            <p:extLst>
+              <p:ext uri="{D42A27DB-BD31-4B8C-83A1-F6EECF244321}">
+                <p14:modId xmlns:p14="http://schemas.microsoft.com/office/powerpoint/2010/main" val="2760575483"/>
+              </p:ext>
+            </p:extLst>
+          </p:nvPr>
+        </p:nvGraphicFramePr>
+        <p:xfrm>
+          <a:off x="998708" y="1311329"/>
+          <a:ext cx="10167060" cy="1609402"/>
+        </p:xfrm>
+        <a:graphic>
+          <a:graphicData uri="http://schemas.openxmlformats.org/drawingml/2006/table">
+            <a:tbl>
+              <a:tblPr firstRow="1" bandRow="1">
+                <a:tableStyleId>{5C22544A-7EE6-4342-B048-85BDC9FD1C3A}</a:tableStyleId>
+              </a:tblPr>
+              <a:tblGrid>
+                <a:gridCol w="2247831">
+                  <a:extLst>
+                    <a:ext uri="{9D8B030D-6E8A-4147-A177-3AD203B41FA5}">
+                      <a16:colId xmlns:a16="http://schemas.microsoft.com/office/drawing/2014/main" val="2299202446"/>
+                    </a:ext>
+                  </a:extLst>
+                </a:gridCol>
+                <a:gridCol w="1818993">
+                  <a:extLst>
+                    <a:ext uri="{9D8B030D-6E8A-4147-A177-3AD203B41FA5}">
+                      <a16:colId xmlns:a16="http://schemas.microsoft.com/office/drawing/2014/main" val="1504850156"/>
+                    </a:ext>
+                  </a:extLst>
+                </a:gridCol>
+                <a:gridCol w="2033412">
+                  <a:extLst>
+                    <a:ext uri="{9D8B030D-6E8A-4147-A177-3AD203B41FA5}">
+                      <a16:colId xmlns:a16="http://schemas.microsoft.com/office/drawing/2014/main" val="2899685345"/>
+                    </a:ext>
+                  </a:extLst>
+                </a:gridCol>
+                <a:gridCol w="1692718">
+                  <a:extLst>
+                    <a:ext uri="{9D8B030D-6E8A-4147-A177-3AD203B41FA5}">
+                      <a16:colId xmlns:a16="http://schemas.microsoft.com/office/drawing/2014/main" val="857350641"/>
+                    </a:ext>
+                  </a:extLst>
+                </a:gridCol>
+                <a:gridCol w="2374106">
+                  <a:extLst>
+                    <a:ext uri="{9D8B030D-6E8A-4147-A177-3AD203B41FA5}">
+                      <a16:colId xmlns:a16="http://schemas.microsoft.com/office/drawing/2014/main" val="3320501077"/>
+                    </a:ext>
+                  </a:extLst>
+                </a:gridCol>
+              </a:tblGrid>
+              <a:tr h="484661">
+                <a:tc>
+                  <a:txBody>
+                    <a:bodyPr/>
+                    <a:lstStyle/>
+                    <a:p>
+                      <a:r>
+                        <a:rPr lang="sv-SE" dirty="0"/>
+                        <a:t>Input</a:t>
+                      </a:r>
+                    </a:p>
+                  </a:txBody>
+                  <a:tcPr/>
+                </a:tc>
+                <a:tc>
+                  <a:txBody>
+                    <a:bodyPr/>
+                    <a:lstStyle/>
+                    <a:p>
+                      <a:endParaRPr lang="sv-SE" dirty="0"/>
+                    </a:p>
+                  </a:txBody>
+                  <a:tcPr/>
+                </a:tc>
+                <a:tc>
+                  <a:txBody>
+                    <a:bodyPr/>
+                    <a:lstStyle/>
+                    <a:p>
+                      <a:r>
+                        <a:rPr lang="sv-SE" dirty="0"/>
+                        <a:t>Metod</a:t>
+                      </a:r>
+                    </a:p>
+                  </a:txBody>
+                  <a:tcPr/>
+                </a:tc>
+                <a:tc>
+                  <a:txBody>
+                    <a:bodyPr/>
+                    <a:lstStyle/>
+                    <a:p>
+                      <a:endParaRPr lang="sv-SE" dirty="0"/>
+                    </a:p>
+                  </a:txBody>
+                  <a:tcPr/>
+                </a:tc>
+                <a:tc>
+                  <a:txBody>
+                    <a:bodyPr/>
+                    <a:lstStyle/>
+                    <a:p>
+                      <a:r>
+                        <a:rPr lang="sv-SE" dirty="0"/>
+                        <a:t>Output</a:t>
+                      </a:r>
+                    </a:p>
+                  </a:txBody>
+                  <a:tcPr/>
+                </a:tc>
+                <a:extLst>
+                  <a:ext uri="{0D108BD9-81ED-4DB2-BD59-A6C34878D82A}">
+                    <a16:rowId xmlns:a16="http://schemas.microsoft.com/office/drawing/2014/main" val="2097260934"/>
+                  </a:ext>
+                </a:extLst>
+              </a:tr>
+              <a:tr h="484661">
                 <a:tc>
                   <a:txBody>
                     <a:bodyPr/>
@@ -6542,10 +7359,38 @@
                       </a:r>
                       <a:r>
                         <a:rPr lang="sv-SE" dirty="0"/>
-                        <a:t> / artikeltext</a:t>
+                        <a:t> </a:t>
                       </a:r>
                     </a:p>
+                  </a:txBody>
+                  <a:tcPr/>
+                </a:tc>
+                <a:tc>
+                  <a:txBody>
+                    <a:bodyPr/>
+                    <a:lstStyle/>
                     <a:p>
+                      <a:pPr algn="ctr"/>
+                      <a:r>
+                        <a:rPr lang="sv-SE" dirty="0">
+                          <a:sym typeface="Wingdings" panose="05000000000000000000" pitchFamily="2" charset="2"/>
+                        </a:rPr>
+                        <a:t></a:t>
+                      </a:r>
+                      <a:endParaRPr lang="sv-SE" dirty="0"/>
+                    </a:p>
+                  </a:txBody>
+                  <a:tcPr/>
+                </a:tc>
+                <a:tc>
+                  <a:txBody>
+                    <a:bodyPr/>
+                    <a:lstStyle/>
+                    <a:p>
+                      <a:r>
+                        <a:rPr lang="sv-SE" dirty="0" err="1"/>
+                        <a:t>pre_processing</a:t>
+                      </a:r>
                       <a:endParaRPr lang="sv-SE" dirty="0"/>
                     </a:p>
                   </a:txBody>
@@ -6581,8 +7426,144 @@
                       </a:r>
                       <a:endParaRPr lang="sv-SE" dirty="0"/>
                     </a:p>
+                  </a:txBody>
+                  <a:tcPr/>
+                </a:tc>
+                <a:tc>
+                  <a:txBody>
+                    <a:bodyPr/>
+                    <a:lstStyle/>
                     <a:p>
-                      <a:pPr algn="ctr"/>
+                      <a:r>
+                        <a:rPr lang="sv-SE" dirty="0"/>
+                        <a:t>token </a:t>
+                      </a:r>
+                      <a:r>
+                        <a:rPr lang="sv-SE" dirty="0" err="1"/>
+                        <a:t>tree</a:t>
+                      </a:r>
+                      <a:r>
+                        <a:rPr lang="sv-SE" dirty="0"/>
+                        <a:t> </a:t>
+                      </a:r>
+                      <a:r>
+                        <a:rPr lang="sv-SE" dirty="0" err="1"/>
+                        <a:t>söktext</a:t>
+                      </a:r>
+                      <a:endParaRPr lang="sv-SE" dirty="0"/>
+                    </a:p>
+                  </a:txBody>
+                  <a:tcPr/>
+                </a:tc>
+                <a:extLst>
+                  <a:ext uri="{0D108BD9-81ED-4DB2-BD59-A6C34878D82A}">
+                    <a16:rowId xmlns:a16="http://schemas.microsoft.com/office/drawing/2014/main" val="1192798364"/>
+                  </a:ext>
+                </a:extLst>
+              </a:tr>
+              <a:tr h="484661">
+                <a:tc>
+                  <a:txBody>
+                    <a:bodyPr/>
+                    <a:lstStyle/>
+                    <a:p>
+                      <a:pPr marL="0" marR="0" lvl="0" indent="0" algn="l" defTabSz="457200" rtl="0" eaLnBrk="1" fontAlgn="auto" latinLnBrk="0" hangingPunct="1">
+                        <a:lnSpc>
+                          <a:spcPct val="100000"/>
+                        </a:lnSpc>
+                        <a:spcBef>
+                          <a:spcPts val="0"/>
+                        </a:spcBef>
+                        <a:spcAft>
+                          <a:spcPts val="0"/>
+                        </a:spcAft>
+                        <a:buClrTx/>
+                        <a:buSzTx/>
+                        <a:buFontTx/>
+                        <a:buNone/>
+                        <a:tabLst/>
+                        <a:defRPr/>
+                      </a:pPr>
+                      <a:r>
+                        <a:rPr lang="sv-SE" dirty="0"/>
+                        <a:t>token </a:t>
+                      </a:r>
+                      <a:r>
+                        <a:rPr lang="sv-SE" dirty="0" err="1"/>
+                        <a:t>tree</a:t>
+                      </a:r>
+                      <a:r>
+                        <a:rPr lang="sv-SE" dirty="0"/>
+                        <a:t> </a:t>
+                      </a:r>
+                      <a:r>
+                        <a:rPr lang="sv-SE" dirty="0" err="1"/>
+                        <a:t>söktext</a:t>
+                      </a:r>
+                      <a:endParaRPr lang="sv-SE" dirty="0"/>
+                    </a:p>
+                    <a:p>
+                      <a:pPr marL="0" marR="0" lvl="0" indent="0" algn="l" defTabSz="457200" rtl="0" eaLnBrk="1" fontAlgn="auto" latinLnBrk="0" hangingPunct="1">
+                        <a:lnSpc>
+                          <a:spcPct val="100000"/>
+                        </a:lnSpc>
+                        <a:spcBef>
+                          <a:spcPts val="0"/>
+                        </a:spcBef>
+                        <a:spcAft>
+                          <a:spcPts val="0"/>
+                        </a:spcAft>
+                        <a:buClrTx/>
+                        <a:buSzTx/>
+                        <a:buFontTx/>
+                        <a:buNone/>
+                        <a:tabLst/>
+                        <a:defRPr/>
+                      </a:pPr>
+                      <a:r>
+                        <a:rPr lang="sv-SE" dirty="0"/>
+                        <a:t>token </a:t>
+                      </a:r>
+                      <a:r>
+                        <a:rPr lang="sv-SE" dirty="0" err="1"/>
+                        <a:t>tree</a:t>
+                      </a:r>
+                      <a:r>
+                        <a:rPr lang="sv-SE" dirty="0"/>
+                        <a:t> artiklar DB</a:t>
+                      </a:r>
+                    </a:p>
+                  </a:txBody>
+                  <a:tcPr/>
+                </a:tc>
+                <a:tc>
+                  <a:txBody>
+                    <a:bodyPr/>
+                    <a:lstStyle/>
+                    <a:p>
+                      <a:pPr marL="0" marR="0" lvl="0" indent="0" algn="ctr" defTabSz="457200" rtl="0" eaLnBrk="1" fontAlgn="auto" latinLnBrk="0" hangingPunct="1">
+                        <a:lnSpc>
+                          <a:spcPct val="100000"/>
+                        </a:lnSpc>
+                        <a:spcBef>
+                          <a:spcPts val="0"/>
+                        </a:spcBef>
+                        <a:spcAft>
+                          <a:spcPts val="0"/>
+                        </a:spcAft>
+                        <a:buClrTx/>
+                        <a:buSzTx/>
+                        <a:buFontTx/>
+                        <a:buNone/>
+                        <a:tabLst/>
+                        <a:defRPr/>
+                      </a:pPr>
+                      <a:r>
+                        <a:rPr lang="sv-SE" dirty="0">
+                          <a:sym typeface="Wingdings" panose="05000000000000000000" pitchFamily="2" charset="2"/>
+                        </a:rPr>
+                        <a:t></a:t>
+                      </a:r>
                       <a:endParaRPr lang="sv-SE" dirty="0"/>
                     </a:p>
                   </a:txBody>
@@ -6631,10 +7612,6 @@
                       </a:r>
                       <a:endParaRPr lang="sv-SE" dirty="0"/>
                     </a:p>
-                    <a:p>
-                      <a:pPr algn="ctr"/>
-                      <a:endParaRPr lang="sv-SE" dirty="0"/>
-                    </a:p>
                   </a:txBody>
                   <a:tcPr/>
                 </a:tc>
@@ -6645,7 +7622,7 @@
                     <a:p>
                       <a:r>
                         <a:rPr lang="sv-SE" dirty="0"/>
-                        <a:t>rankar topp 5</a:t>
+                        <a:t>rankade topp 5 artiklar</a:t>
                       </a:r>
                     </a:p>
                   </a:txBody>
@@ -6653,7 +7630,7 @@
                 </a:tc>
                 <a:extLst>
                   <a:ext uri="{0D108BD9-81ED-4DB2-BD59-A6C34878D82A}">
-                    <a16:rowId xmlns:a16="http://schemas.microsoft.com/office/drawing/2014/main" val="1424035561"/>
+                    <a16:rowId xmlns:a16="http://schemas.microsoft.com/office/drawing/2014/main" val="1224022793"/>
                   </a:ext>
                 </a:extLst>
               </a:tr>
@@ -6663,10 +7640,10 @@
       </p:graphicFrame>
       <p:pic>
         <p:nvPicPr>
-          <p:cNvPr id="7" name="Picture 4">
+          <p:cNvPr id="21" name="Picture 4">
             <a:extLst>
               <a:ext uri="{FF2B5EF4-FFF2-40B4-BE49-F238E27FC236}">
-                <a16:creationId xmlns:a16="http://schemas.microsoft.com/office/drawing/2014/main" id="{75ABBAC8-0B86-490C-81BE-53AC40A3A48A}"/>
+                <a16:creationId xmlns:a16="http://schemas.microsoft.com/office/drawing/2014/main" id="{15BC4EC7-5BB2-46DC-92B8-A8501987CD3F}"/>
               </a:ext>
             </a:extLst>
           </p:cNvPr>
@@ -6690,7 +7667,7 @@
         </p:blipFill>
         <p:spPr bwMode="auto">
           <a:xfrm>
-            <a:off x="3814838" y="4746892"/>
+            <a:off x="3852019" y="4170356"/>
             <a:ext cx="4173191" cy="1489921"/>
           </a:xfrm>
           <a:prstGeom prst="rect">
@@ -6708,12 +7685,172 @@
           </a:extLst>
         </p:spPr>
       </p:pic>
-      <p:sp>
-        <p:nvSpPr>
-          <p:cNvPr id="14" name="textruta 13">
+      <p:cxnSp>
+        <p:nvCxnSpPr>
+          <p:cNvPr id="22" name="Rak pilkoppling 21">
             <a:extLst>
               <a:ext uri="{FF2B5EF4-FFF2-40B4-BE49-F238E27FC236}">
-                <a16:creationId xmlns:a16="http://schemas.microsoft.com/office/drawing/2014/main" id="{CC3B9417-D9C0-46A6-864D-9B179EC51C18}"/>
+                <a16:creationId xmlns:a16="http://schemas.microsoft.com/office/drawing/2014/main" id="{BCDA35C3-CFBF-447B-9CEE-3C075D6FCF20}"/>
+              </a:ext>
+            </a:extLst>
+          </p:cNvPr>
+          <p:cNvCxnSpPr>
+            <a:cxnSpLocks/>
+          </p:cNvCxnSpPr>
+          <p:nvPr/>
+        </p:nvCxnSpPr>
+        <p:spPr>
+          <a:xfrm>
+            <a:off x="5306547" y="4170356"/>
+            <a:ext cx="0" cy="929627"/>
+          </a:xfrm>
+          <a:prstGeom prst="straightConnector1">
+            <a:avLst/>
+          </a:prstGeom>
+          <a:ln>
+            <a:tailEnd type="triangle"/>
+          </a:ln>
+        </p:spPr>
+        <p:style>
+          <a:lnRef idx="1">
+            <a:schemeClr val="accent3"/>
+          </a:lnRef>
+          <a:fillRef idx="0">
+            <a:schemeClr val="accent3"/>
+          </a:fillRef>
+          <a:effectRef idx="0">
+            <a:schemeClr val="accent3"/>
+          </a:effectRef>
+          <a:fontRef idx="minor">
+            <a:schemeClr val="tx1"/>
+          </a:fontRef>
+        </p:style>
+      </p:cxnSp>
+      <p:cxnSp>
+        <p:nvCxnSpPr>
+          <p:cNvPr id="23" name="Rak pilkoppling 22">
+            <a:extLst>
+              <a:ext uri="{FF2B5EF4-FFF2-40B4-BE49-F238E27FC236}">
+                <a16:creationId xmlns:a16="http://schemas.microsoft.com/office/drawing/2014/main" id="{FB4ED953-40D1-4C5D-BCC2-7BDD46FD0D1C}"/>
+              </a:ext>
+            </a:extLst>
+          </p:cNvPr>
+          <p:cNvCxnSpPr/>
+          <p:nvPr/>
+        </p:nvCxnSpPr>
+        <p:spPr>
+          <a:xfrm flipH="1">
+            <a:off x="4054435" y="5080377"/>
+            <a:ext cx="1252112" cy="0"/>
+          </a:xfrm>
+          <a:prstGeom prst="straightConnector1">
+            <a:avLst/>
+          </a:prstGeom>
+          <a:ln>
+            <a:tailEnd type="triangle"/>
+          </a:ln>
+        </p:spPr>
+        <p:style>
+          <a:lnRef idx="1">
+            <a:schemeClr val="accent3"/>
+          </a:lnRef>
+          <a:fillRef idx="0">
+            <a:schemeClr val="accent3"/>
+          </a:fillRef>
+          <a:effectRef idx="0">
+            <a:schemeClr val="accent3"/>
+          </a:effectRef>
+          <a:fontRef idx="minor">
+            <a:schemeClr val="tx1"/>
+          </a:fontRef>
+        </p:style>
+      </p:cxnSp>
+      <p:cxnSp>
+        <p:nvCxnSpPr>
+          <p:cNvPr id="24" name="Rak pilkoppling 23">
+            <a:extLst>
+              <a:ext uri="{FF2B5EF4-FFF2-40B4-BE49-F238E27FC236}">
+                <a16:creationId xmlns:a16="http://schemas.microsoft.com/office/drawing/2014/main" id="{0B7C0E70-EE0D-4F71-813B-F7118A15499C}"/>
+              </a:ext>
+            </a:extLst>
+          </p:cNvPr>
+          <p:cNvCxnSpPr>
+            <a:cxnSpLocks/>
+          </p:cNvCxnSpPr>
+          <p:nvPr/>
+        </p:nvCxnSpPr>
+        <p:spPr>
+          <a:xfrm flipV="1">
+            <a:off x="4093960" y="5828774"/>
+            <a:ext cx="2425174" cy="3827"/>
+          </a:xfrm>
+          <a:prstGeom prst="straightConnector1">
+            <a:avLst/>
+          </a:prstGeom>
+          <a:ln>
+            <a:tailEnd type="triangle"/>
+          </a:ln>
+        </p:spPr>
+        <p:style>
+          <a:lnRef idx="1">
+            <a:schemeClr val="accent6"/>
+          </a:lnRef>
+          <a:fillRef idx="0">
+            <a:schemeClr val="accent6"/>
+          </a:fillRef>
+          <a:effectRef idx="0">
+            <a:schemeClr val="accent6"/>
+          </a:effectRef>
+          <a:fontRef idx="minor">
+            <a:schemeClr val="tx1"/>
+          </a:fontRef>
+        </p:style>
+      </p:cxnSp>
+      <p:cxnSp>
+        <p:nvCxnSpPr>
+          <p:cNvPr id="27" name="Rak pilkoppling 26">
+            <a:extLst>
+              <a:ext uri="{FF2B5EF4-FFF2-40B4-BE49-F238E27FC236}">
+                <a16:creationId xmlns:a16="http://schemas.microsoft.com/office/drawing/2014/main" id="{1409B32A-7442-4A33-B6B8-C48177619B9F}"/>
+              </a:ext>
+            </a:extLst>
+          </p:cNvPr>
+          <p:cNvCxnSpPr/>
+          <p:nvPr/>
+        </p:nvCxnSpPr>
+        <p:spPr>
+          <a:xfrm flipV="1">
+            <a:off x="6519134" y="4440798"/>
+            <a:ext cx="0" cy="1387976"/>
+          </a:xfrm>
+          <a:prstGeom prst="straightConnector1">
+            <a:avLst/>
+          </a:prstGeom>
+          <a:ln>
+            <a:tailEnd type="triangle"/>
+          </a:ln>
+        </p:spPr>
+        <p:style>
+          <a:lnRef idx="1">
+            <a:schemeClr val="accent6"/>
+          </a:lnRef>
+          <a:fillRef idx="0">
+            <a:schemeClr val="accent6"/>
+          </a:fillRef>
+          <a:effectRef idx="0">
+            <a:schemeClr val="accent6"/>
+          </a:effectRef>
+          <a:fontRef idx="minor">
+            <a:schemeClr val="tx1"/>
+          </a:fontRef>
+        </p:style>
+      </p:cxnSp>
+      <p:sp>
+        <p:nvSpPr>
+          <p:cNvPr id="29" name="textruta 28">
+            <a:extLst>
+              <a:ext uri="{FF2B5EF4-FFF2-40B4-BE49-F238E27FC236}">
+                <a16:creationId xmlns:a16="http://schemas.microsoft.com/office/drawing/2014/main" id="{DDCA1382-D255-43A2-9827-2829D6B48059}"/>
               </a:ext>
             </a:extLst>
           </p:cNvPr>
@@ -6722,7 +7859,7 @@
         </p:nvSpPr>
         <p:spPr>
           <a:xfrm>
-            <a:off x="3814838" y="5307187"/>
+            <a:off x="3815343" y="4536183"/>
             <a:ext cx="904673" cy="369332"/>
           </a:xfrm>
           <a:prstGeom prst="rect">
@@ -6744,10 +7881,133 @@
           </a:p>
         </p:txBody>
       </p:sp>
+      <p:sp>
+        <p:nvSpPr>
+          <p:cNvPr id="30" name="textruta 29">
+            <a:extLst>
+              <a:ext uri="{FF2B5EF4-FFF2-40B4-BE49-F238E27FC236}">
+                <a16:creationId xmlns:a16="http://schemas.microsoft.com/office/drawing/2014/main" id="{EE1B0B28-01C1-4ABF-8F61-EEC0962BB830}"/>
+              </a:ext>
+            </a:extLst>
+          </p:cNvPr>
+          <p:cNvSpPr txBox="1"/>
+          <p:nvPr/>
+        </p:nvSpPr>
+        <p:spPr>
+          <a:xfrm>
+            <a:off x="5267021" y="3567938"/>
+            <a:ext cx="2794863" cy="369332"/>
+          </a:xfrm>
+          <a:prstGeom prst="rect">
+            <a:avLst/>
+          </a:prstGeom>
+          <a:noFill/>
+        </p:spPr>
+        <p:txBody>
+          <a:bodyPr wrap="square" rtlCol="0">
+            <a:spAutoFit/>
+          </a:bodyPr>
+          <a:lstStyle/>
+          <a:p>
+            <a:r>
+              <a:rPr lang="sv-SE" dirty="0"/>
+              <a:t>2)  </a:t>
+            </a:r>
+            <a:r>
+              <a:rPr lang="sv-SE" dirty="0" err="1"/>
+              <a:t>Söktext</a:t>
+            </a:r>
+            <a:r>
+              <a:rPr lang="sv-SE" dirty="0"/>
+              <a:t> </a:t>
+            </a:r>
+          </a:p>
+        </p:txBody>
+      </p:sp>
+      <p:cxnSp>
+        <p:nvCxnSpPr>
+          <p:cNvPr id="25" name="Rak pilkoppling 24">
+            <a:extLst>
+              <a:ext uri="{FF2B5EF4-FFF2-40B4-BE49-F238E27FC236}">
+                <a16:creationId xmlns:a16="http://schemas.microsoft.com/office/drawing/2014/main" id="{6CDB2CB5-17A5-481A-9DE2-C52D59ABA153}"/>
+              </a:ext>
+            </a:extLst>
+          </p:cNvPr>
+          <p:cNvCxnSpPr/>
+          <p:nvPr/>
+        </p:nvCxnSpPr>
+        <p:spPr>
+          <a:xfrm flipH="1">
+            <a:off x="6406393" y="6071677"/>
+            <a:ext cx="1252112" cy="0"/>
+          </a:xfrm>
+          <a:prstGeom prst="straightConnector1">
+            <a:avLst/>
+          </a:prstGeom>
+          <a:ln>
+            <a:tailEnd type="triangle"/>
+          </a:ln>
+        </p:spPr>
+        <p:style>
+          <a:lnRef idx="1">
+            <a:schemeClr val="accent3"/>
+          </a:lnRef>
+          <a:fillRef idx="0">
+            <a:schemeClr val="accent3"/>
+          </a:fillRef>
+          <a:effectRef idx="0">
+            <a:schemeClr val="accent3"/>
+          </a:effectRef>
+          <a:fontRef idx="minor">
+            <a:schemeClr val="tx1"/>
+          </a:fontRef>
+        </p:style>
+      </p:cxnSp>
+      <p:cxnSp>
+        <p:nvCxnSpPr>
+          <p:cNvPr id="26" name="Rak pilkoppling 25">
+            <a:extLst>
+              <a:ext uri="{FF2B5EF4-FFF2-40B4-BE49-F238E27FC236}">
+                <a16:creationId xmlns:a16="http://schemas.microsoft.com/office/drawing/2014/main" id="{B9CFDDB4-83B8-40F7-B7ED-825BA4024062}"/>
+              </a:ext>
+            </a:extLst>
+          </p:cNvPr>
+          <p:cNvCxnSpPr>
+            <a:cxnSpLocks/>
+          </p:cNvCxnSpPr>
+          <p:nvPr/>
+        </p:nvCxnSpPr>
+        <p:spPr>
+          <a:xfrm flipH="1">
+            <a:off x="4093960" y="6071677"/>
+            <a:ext cx="2195497" cy="0"/>
+          </a:xfrm>
+          <a:prstGeom prst="straightConnector1">
+            <a:avLst/>
+          </a:prstGeom>
+          <a:ln>
+            <a:tailEnd type="triangle"/>
+          </a:ln>
+        </p:spPr>
+        <p:style>
+          <a:lnRef idx="1">
+            <a:schemeClr val="accent3"/>
+          </a:lnRef>
+          <a:fillRef idx="0">
+            <a:schemeClr val="accent3"/>
+          </a:fillRef>
+          <a:effectRef idx="0">
+            <a:schemeClr val="accent3"/>
+          </a:effectRef>
+          <a:fontRef idx="minor">
+            <a:schemeClr val="tx1"/>
+          </a:fontRef>
+        </p:style>
+      </p:cxnSp>
     </p:spTree>
     <p:extLst>
       <p:ext uri="{BB962C8B-B14F-4D97-AF65-F5344CB8AC3E}">
-        <p14:creationId xmlns:p14="http://schemas.microsoft.com/office/powerpoint/2010/main" val="810158222"/>
+        <p14:creationId xmlns:p14="http://schemas.microsoft.com/office/powerpoint/2010/main" val="720163310"/>
       </p:ext>
     </p:extLst>
   </p:cSld>
@@ -6757,7 +8017,7 @@
 </p:sld>
 </file>
 
-<file path=ppt/slides/slide5.xml><?xml version="1.0" encoding="utf-8"?>
+<file path=ppt/slides/slide7.xml><?xml version="1.0" encoding="utf-8"?>
 <p:sld xmlns:a="http://schemas.openxmlformats.org/drawingml/2006/main" xmlns:r="http://schemas.openxmlformats.org/officeDocument/2006/relationships" xmlns:p="http://schemas.openxmlformats.org/presentationml/2006/main">
   <p:cSld>
     <p:spTree>
@@ -6792,12 +8052,14 @@
         </p:nvSpPr>
         <p:spPr>
           <a:xfrm>
-            <a:off x="685801" y="282430"/>
-            <a:ext cx="10131425" cy="1009475"/>
-          </a:xfrm>
-        </p:spPr>
-        <p:txBody>
-          <a:bodyPr/>
+            <a:off x="998708" y="385864"/>
+            <a:ext cx="9820071" cy="586902"/>
+          </a:xfrm>
+        </p:spPr>
+        <p:txBody>
+          <a:bodyPr>
+            <a:normAutofit fontScale="90000"/>
+          </a:bodyPr>
           <a:lstStyle/>
           <a:p>
             <a:pPr algn="ctr"/>
@@ -6816,12 +8078,524 @@
           </a:p>
         </p:txBody>
       </p:sp>
-      <p:sp>
-        <p:nvSpPr>
-          <p:cNvPr id="11" name="textruta 10">
+      <p:graphicFrame>
+        <p:nvGraphicFramePr>
+          <p:cNvPr id="3" name="Tabell 3">
             <a:extLst>
               <a:ext uri="{FF2B5EF4-FFF2-40B4-BE49-F238E27FC236}">
-                <a16:creationId xmlns:a16="http://schemas.microsoft.com/office/drawing/2014/main" id="{A63DEE50-80B0-4320-90C9-7594FC480A2D}"/>
+                <a16:creationId xmlns:a16="http://schemas.microsoft.com/office/drawing/2014/main" id="{53597336-FD86-4CD5-B9DF-FC127146B8BF}"/>
+              </a:ext>
+            </a:extLst>
+          </p:cNvPr>
+          <p:cNvGraphicFramePr>
+            <a:graphicFrameLocks noGrp="1"/>
+          </p:cNvGraphicFramePr>
+          <p:nvPr>
+            <p:extLst>
+              <p:ext uri="{D42A27DB-BD31-4B8C-83A1-F6EECF244321}">
+                <p14:modId xmlns:p14="http://schemas.microsoft.com/office/powerpoint/2010/main" val="616576761"/>
+              </p:ext>
+            </p:extLst>
+          </p:nvPr>
+        </p:nvGraphicFramePr>
+        <p:xfrm>
+          <a:off x="700386" y="1900973"/>
+          <a:ext cx="11044201" cy="1124741"/>
+        </p:xfrm>
+        <a:graphic>
+          <a:graphicData uri="http://schemas.openxmlformats.org/drawingml/2006/table">
+            <a:tbl>
+              <a:tblPr firstRow="1" bandRow="1">
+                <a:tableStyleId>{5C22544A-7EE6-4342-B048-85BDC9FD1C3A}</a:tableStyleId>
+              </a:tblPr>
+              <a:tblGrid>
+                <a:gridCol w="2447573">
+                  <a:extLst>
+                    <a:ext uri="{9D8B030D-6E8A-4147-A177-3AD203B41FA5}">
+                      <a16:colId xmlns:a16="http://schemas.microsoft.com/office/drawing/2014/main" val="2299202446"/>
+                    </a:ext>
+                  </a:extLst>
+                </a:gridCol>
+                <a:gridCol w="1986103">
+                  <a:extLst>
+                    <a:ext uri="{9D8B030D-6E8A-4147-A177-3AD203B41FA5}">
+                      <a16:colId xmlns:a16="http://schemas.microsoft.com/office/drawing/2014/main" val="1504850156"/>
+                    </a:ext>
+                  </a:extLst>
+                </a:gridCol>
+                <a:gridCol w="2013358">
+                  <a:extLst>
+                    <a:ext uri="{9D8B030D-6E8A-4147-A177-3AD203B41FA5}">
+                      <a16:colId xmlns:a16="http://schemas.microsoft.com/office/drawing/2014/main" val="2899685345"/>
+                    </a:ext>
+                  </a:extLst>
+                </a:gridCol>
+                <a:gridCol w="2214694">
+                  <a:extLst>
+                    <a:ext uri="{9D8B030D-6E8A-4147-A177-3AD203B41FA5}">
+                      <a16:colId xmlns:a16="http://schemas.microsoft.com/office/drawing/2014/main" val="857350641"/>
+                    </a:ext>
+                  </a:extLst>
+                </a:gridCol>
+                <a:gridCol w="2382473">
+                  <a:extLst>
+                    <a:ext uri="{9D8B030D-6E8A-4147-A177-3AD203B41FA5}">
+                      <a16:colId xmlns:a16="http://schemas.microsoft.com/office/drawing/2014/main" val="3320501077"/>
+                    </a:ext>
+                  </a:extLst>
+                </a:gridCol>
+              </a:tblGrid>
+              <a:tr h="484661">
+                <a:tc>
+                  <a:txBody>
+                    <a:bodyPr/>
+                    <a:lstStyle/>
+                    <a:p>
+                      <a:r>
+                        <a:rPr lang="sv-SE" dirty="0"/>
+                        <a:t>Input</a:t>
+                      </a:r>
+                    </a:p>
+                  </a:txBody>
+                  <a:tcPr/>
+                </a:tc>
+                <a:tc>
+                  <a:txBody>
+                    <a:bodyPr/>
+                    <a:lstStyle/>
+                    <a:p>
+                      <a:endParaRPr lang="sv-SE" dirty="0"/>
+                    </a:p>
+                  </a:txBody>
+                  <a:tcPr/>
+                </a:tc>
+                <a:tc>
+                  <a:txBody>
+                    <a:bodyPr/>
+                    <a:lstStyle/>
+                    <a:p>
+                      <a:r>
+                        <a:rPr lang="sv-SE" dirty="0"/>
+                        <a:t>Metod</a:t>
+                      </a:r>
+                    </a:p>
+                  </a:txBody>
+                  <a:tcPr/>
+                </a:tc>
+                <a:tc>
+                  <a:txBody>
+                    <a:bodyPr/>
+                    <a:lstStyle/>
+                    <a:p>
+                      <a:endParaRPr lang="sv-SE" dirty="0"/>
+                    </a:p>
+                  </a:txBody>
+                  <a:tcPr/>
+                </a:tc>
+                <a:tc>
+                  <a:txBody>
+                    <a:bodyPr/>
+                    <a:lstStyle/>
+                    <a:p>
+                      <a:r>
+                        <a:rPr lang="sv-SE" dirty="0"/>
+                        <a:t>Output</a:t>
+                      </a:r>
+                    </a:p>
+                  </a:txBody>
+                  <a:tcPr/>
+                </a:tc>
+                <a:extLst>
+                  <a:ext uri="{0D108BD9-81ED-4DB2-BD59-A6C34878D82A}">
+                    <a16:rowId xmlns:a16="http://schemas.microsoft.com/office/drawing/2014/main" val="2097260934"/>
+                  </a:ext>
+                </a:extLst>
+              </a:tr>
+              <a:tr h="484661">
+                <a:tc>
+                  <a:txBody>
+                    <a:bodyPr/>
+                    <a:lstStyle/>
+                    <a:p>
+                      <a:pPr marL="0" marR="0" lvl="0" indent="0" algn="l" defTabSz="457200" rtl="0" eaLnBrk="1" fontAlgn="auto" latinLnBrk="0" hangingPunct="1">
+                        <a:lnSpc>
+                          <a:spcPct val="100000"/>
+                        </a:lnSpc>
+                        <a:spcBef>
+                          <a:spcPts val="0"/>
+                        </a:spcBef>
+                        <a:spcAft>
+                          <a:spcPts val="0"/>
+                        </a:spcAft>
+                        <a:buClrTx/>
+                        <a:buSzTx/>
+                        <a:buFontTx/>
+                        <a:buNone/>
+                        <a:tabLst/>
+                        <a:defRPr/>
+                      </a:pPr>
+                      <a:r>
+                        <a:rPr lang="sv-SE" dirty="0"/>
+                        <a:t>token </a:t>
+                      </a:r>
+                      <a:r>
+                        <a:rPr lang="sv-SE" dirty="0" err="1"/>
+                        <a:t>tree</a:t>
+                      </a:r>
+                      <a:r>
+                        <a:rPr lang="sv-SE" dirty="0"/>
+                        <a:t> vald artikel</a:t>
+                      </a:r>
+                    </a:p>
+                    <a:p>
+                      <a:pPr marL="0" marR="0" lvl="0" indent="0" algn="l" defTabSz="457200" rtl="0" eaLnBrk="1" fontAlgn="auto" latinLnBrk="0" hangingPunct="1">
+                        <a:lnSpc>
+                          <a:spcPct val="100000"/>
+                        </a:lnSpc>
+                        <a:spcBef>
+                          <a:spcPts val="0"/>
+                        </a:spcBef>
+                        <a:spcAft>
+                          <a:spcPts val="0"/>
+                        </a:spcAft>
+                        <a:buClrTx/>
+                        <a:buSzTx/>
+                        <a:buFontTx/>
+                        <a:buNone/>
+                        <a:tabLst/>
+                        <a:defRPr/>
+                      </a:pPr>
+                      <a:r>
+                        <a:rPr lang="sv-SE" dirty="0"/>
+                        <a:t>token </a:t>
+                      </a:r>
+                      <a:r>
+                        <a:rPr lang="sv-SE" dirty="0" err="1"/>
+                        <a:t>tree</a:t>
+                      </a:r>
+                      <a:r>
+                        <a:rPr lang="sv-SE" dirty="0"/>
+                        <a:t> artiklar DB</a:t>
+                      </a:r>
+                    </a:p>
+                  </a:txBody>
+                  <a:tcPr/>
+                </a:tc>
+                <a:tc>
+                  <a:txBody>
+                    <a:bodyPr/>
+                    <a:lstStyle/>
+                    <a:p>
+                      <a:pPr marL="0" marR="0" lvl="0" indent="0" algn="ctr" defTabSz="457200" rtl="0" eaLnBrk="1" fontAlgn="auto" latinLnBrk="0" hangingPunct="1">
+                        <a:lnSpc>
+                          <a:spcPct val="100000"/>
+                        </a:lnSpc>
+                        <a:spcBef>
+                          <a:spcPts val="0"/>
+                        </a:spcBef>
+                        <a:spcAft>
+                          <a:spcPts val="0"/>
+                        </a:spcAft>
+                        <a:buClrTx/>
+                        <a:buSzTx/>
+                        <a:buFontTx/>
+                        <a:buNone/>
+                        <a:tabLst/>
+                        <a:defRPr/>
+                      </a:pPr>
+                      <a:r>
+                        <a:rPr lang="sv-SE" dirty="0">
+                          <a:sym typeface="Wingdings" panose="05000000000000000000" pitchFamily="2" charset="2"/>
+                        </a:rPr>
+                        <a:t></a:t>
+                      </a:r>
+                      <a:endParaRPr lang="sv-SE" dirty="0"/>
+                    </a:p>
+                  </a:txBody>
+                  <a:tcPr/>
+                </a:tc>
+                <a:tc>
+                  <a:txBody>
+                    <a:bodyPr/>
+                    <a:lstStyle/>
+                    <a:p>
+                      <a:r>
+                        <a:rPr lang="sv-SE" dirty="0"/>
+                        <a:t>Match</a:t>
+                      </a:r>
+                    </a:p>
+                  </a:txBody>
+                  <a:tcPr/>
+                </a:tc>
+                <a:tc>
+                  <a:txBody>
+                    <a:bodyPr/>
+                    <a:lstStyle/>
+                    <a:p>
+                      <a:pPr marL="0" marR="0" lvl="0" indent="0" algn="ctr" defTabSz="457200" rtl="0" eaLnBrk="1" fontAlgn="auto" latinLnBrk="0" hangingPunct="1">
+                        <a:lnSpc>
+                          <a:spcPct val="100000"/>
+                        </a:lnSpc>
+                        <a:spcBef>
+                          <a:spcPts val="0"/>
+                        </a:spcBef>
+                        <a:spcAft>
+                          <a:spcPts val="0"/>
+                        </a:spcAft>
+                        <a:buClrTx/>
+                        <a:buSzTx/>
+                        <a:buFontTx/>
+                        <a:buNone/>
+                        <a:tabLst/>
+                        <a:defRPr/>
+                      </a:pPr>
+                      <a:r>
+                        <a:rPr lang="sv-SE" dirty="0">
+                          <a:sym typeface="Wingdings" panose="05000000000000000000" pitchFamily="2" charset="2"/>
+                        </a:rPr>
+                        <a:t></a:t>
+                      </a:r>
+                      <a:endParaRPr lang="sv-SE" dirty="0"/>
+                    </a:p>
+                  </a:txBody>
+                  <a:tcPr/>
+                </a:tc>
+                <a:tc>
+                  <a:txBody>
+                    <a:bodyPr/>
+                    <a:lstStyle/>
+                    <a:p>
+                      <a:r>
+                        <a:rPr lang="sv-SE" dirty="0"/>
+                        <a:t>rankade topp 5 artiklar</a:t>
+                      </a:r>
+                    </a:p>
+                  </a:txBody>
+                  <a:tcPr/>
+                </a:tc>
+                <a:extLst>
+                  <a:ext uri="{0D108BD9-81ED-4DB2-BD59-A6C34878D82A}">
+                    <a16:rowId xmlns:a16="http://schemas.microsoft.com/office/drawing/2014/main" val="3315005424"/>
+                  </a:ext>
+                </a:extLst>
+              </a:tr>
+            </a:tbl>
+          </a:graphicData>
+        </a:graphic>
+      </p:graphicFrame>
+      <p:pic>
+        <p:nvPicPr>
+          <p:cNvPr id="21" name="Picture 4">
+            <a:extLst>
+              <a:ext uri="{FF2B5EF4-FFF2-40B4-BE49-F238E27FC236}">
+                <a16:creationId xmlns:a16="http://schemas.microsoft.com/office/drawing/2014/main" id="{15BC4EC7-5BB2-46DC-92B8-A8501987CD3F}"/>
+              </a:ext>
+            </a:extLst>
+          </p:cNvPr>
+          <p:cNvPicPr>
+            <a:picLocks noChangeAspect="1" noChangeArrowheads="1"/>
+          </p:cNvPicPr>
+          <p:nvPr/>
+        </p:nvPicPr>
+        <p:blipFill>
+          <a:blip r:embed="rId2">
+            <a:extLst>
+              <a:ext uri="{28A0092B-C50C-407E-A947-70E740481C1C}">
+                <a14:useLocalDpi xmlns:a14="http://schemas.microsoft.com/office/drawing/2010/main" val="0"/>
+              </a:ext>
+            </a:extLst>
+          </a:blip>
+          <a:srcRect/>
+          <a:stretch>
+            <a:fillRect/>
+          </a:stretch>
+        </p:blipFill>
+        <p:spPr bwMode="auto">
+          <a:xfrm>
+            <a:off x="3699012" y="4202039"/>
+            <a:ext cx="4173191" cy="1489921"/>
+          </a:xfrm>
+          <a:prstGeom prst="rect">
+            <a:avLst/>
+          </a:prstGeom>
+          <a:noFill/>
+          <a:extLst>
+            <a:ext uri="{909E8E84-426E-40DD-AFC4-6F175D3DCCD1}">
+              <a14:hiddenFill xmlns:a14="http://schemas.microsoft.com/office/drawing/2010/main">
+                <a:solidFill>
+                  <a:srgbClr val="FFFFFF"/>
+                </a:solidFill>
+              </a14:hiddenFill>
+            </a:ext>
+          </a:extLst>
+        </p:spPr>
+      </p:pic>
+      <p:cxnSp>
+        <p:nvCxnSpPr>
+          <p:cNvPr id="22" name="Rak pilkoppling 21">
+            <a:extLst>
+              <a:ext uri="{FF2B5EF4-FFF2-40B4-BE49-F238E27FC236}">
+                <a16:creationId xmlns:a16="http://schemas.microsoft.com/office/drawing/2014/main" id="{BCDA35C3-CFBF-447B-9CEE-3C075D6FCF20}"/>
+              </a:ext>
+            </a:extLst>
+          </p:cNvPr>
+          <p:cNvCxnSpPr>
+            <a:cxnSpLocks/>
+          </p:cNvCxnSpPr>
+          <p:nvPr/>
+        </p:nvCxnSpPr>
+        <p:spPr>
+          <a:xfrm>
+            <a:off x="5153540" y="4202039"/>
+            <a:ext cx="0" cy="929627"/>
+          </a:xfrm>
+          <a:prstGeom prst="straightConnector1">
+            <a:avLst/>
+          </a:prstGeom>
+          <a:ln>
+            <a:tailEnd type="triangle"/>
+          </a:ln>
+        </p:spPr>
+        <p:style>
+          <a:lnRef idx="1">
+            <a:schemeClr val="accent3"/>
+          </a:lnRef>
+          <a:fillRef idx="0">
+            <a:schemeClr val="accent3"/>
+          </a:fillRef>
+          <a:effectRef idx="0">
+            <a:schemeClr val="accent3"/>
+          </a:effectRef>
+          <a:fontRef idx="minor">
+            <a:schemeClr val="tx1"/>
+          </a:fontRef>
+        </p:style>
+      </p:cxnSp>
+      <p:cxnSp>
+        <p:nvCxnSpPr>
+          <p:cNvPr id="23" name="Rak pilkoppling 22">
+            <a:extLst>
+              <a:ext uri="{FF2B5EF4-FFF2-40B4-BE49-F238E27FC236}">
+                <a16:creationId xmlns:a16="http://schemas.microsoft.com/office/drawing/2014/main" id="{FB4ED953-40D1-4C5D-BCC2-7BDD46FD0D1C}"/>
+              </a:ext>
+            </a:extLst>
+          </p:cNvPr>
+          <p:cNvCxnSpPr/>
+          <p:nvPr/>
+        </p:nvCxnSpPr>
+        <p:spPr>
+          <a:xfrm flipH="1">
+            <a:off x="3901428" y="5118052"/>
+            <a:ext cx="1252112" cy="0"/>
+          </a:xfrm>
+          <a:prstGeom prst="straightConnector1">
+            <a:avLst/>
+          </a:prstGeom>
+          <a:ln>
+            <a:tailEnd type="triangle"/>
+          </a:ln>
+        </p:spPr>
+        <p:style>
+          <a:lnRef idx="1">
+            <a:schemeClr val="accent3"/>
+          </a:lnRef>
+          <a:fillRef idx="0">
+            <a:schemeClr val="accent3"/>
+          </a:fillRef>
+          <a:effectRef idx="0">
+            <a:schemeClr val="accent3"/>
+          </a:effectRef>
+          <a:fontRef idx="minor">
+            <a:schemeClr val="tx1"/>
+          </a:fontRef>
+        </p:style>
+      </p:cxnSp>
+      <p:cxnSp>
+        <p:nvCxnSpPr>
+          <p:cNvPr id="24" name="Rak pilkoppling 23">
+            <a:extLst>
+              <a:ext uri="{FF2B5EF4-FFF2-40B4-BE49-F238E27FC236}">
+                <a16:creationId xmlns:a16="http://schemas.microsoft.com/office/drawing/2014/main" id="{0B7C0E70-EE0D-4F71-813B-F7118A15499C}"/>
+              </a:ext>
+            </a:extLst>
+          </p:cNvPr>
+          <p:cNvCxnSpPr>
+            <a:cxnSpLocks/>
+          </p:cNvCxnSpPr>
+          <p:nvPr/>
+        </p:nvCxnSpPr>
+        <p:spPr>
+          <a:xfrm flipV="1">
+            <a:off x="3940953" y="5860457"/>
+            <a:ext cx="2425174" cy="3827"/>
+          </a:xfrm>
+          <a:prstGeom prst="straightConnector1">
+            <a:avLst/>
+          </a:prstGeom>
+          <a:ln>
+            <a:tailEnd type="triangle"/>
+          </a:ln>
+        </p:spPr>
+        <p:style>
+          <a:lnRef idx="1">
+            <a:schemeClr val="accent6"/>
+          </a:lnRef>
+          <a:fillRef idx="0">
+            <a:schemeClr val="accent6"/>
+          </a:fillRef>
+          <a:effectRef idx="0">
+            <a:schemeClr val="accent6"/>
+          </a:effectRef>
+          <a:fontRef idx="minor">
+            <a:schemeClr val="tx1"/>
+          </a:fontRef>
+        </p:style>
+      </p:cxnSp>
+      <p:cxnSp>
+        <p:nvCxnSpPr>
+          <p:cNvPr id="27" name="Rak pilkoppling 26">
+            <a:extLst>
+              <a:ext uri="{FF2B5EF4-FFF2-40B4-BE49-F238E27FC236}">
+                <a16:creationId xmlns:a16="http://schemas.microsoft.com/office/drawing/2014/main" id="{1409B32A-7442-4A33-B6B8-C48177619B9F}"/>
+              </a:ext>
+            </a:extLst>
+          </p:cNvPr>
+          <p:cNvCxnSpPr/>
+          <p:nvPr/>
+        </p:nvCxnSpPr>
+        <p:spPr>
+          <a:xfrm flipV="1">
+            <a:off x="6366127" y="4472481"/>
+            <a:ext cx="0" cy="1387976"/>
+          </a:xfrm>
+          <a:prstGeom prst="straightConnector1">
+            <a:avLst/>
+          </a:prstGeom>
+          <a:ln>
+            <a:tailEnd type="triangle"/>
+          </a:ln>
+        </p:spPr>
+        <p:style>
+          <a:lnRef idx="1">
+            <a:schemeClr val="accent6"/>
+          </a:lnRef>
+          <a:fillRef idx="0">
+            <a:schemeClr val="accent6"/>
+          </a:fillRef>
+          <a:effectRef idx="0">
+            <a:schemeClr val="accent6"/>
+          </a:effectRef>
+          <a:fontRef idx="minor">
+            <a:schemeClr val="tx1"/>
+          </a:fontRef>
+        </p:style>
+      </p:cxnSp>
+      <p:sp>
+        <p:nvSpPr>
+          <p:cNvPr id="29" name="textruta 28">
+            <a:extLst>
+              <a:ext uri="{FF2B5EF4-FFF2-40B4-BE49-F238E27FC236}">
+                <a16:creationId xmlns:a16="http://schemas.microsoft.com/office/drawing/2014/main" id="{DDCA1382-D255-43A2-9827-2829D6B48059}"/>
               </a:ext>
             </a:extLst>
           </p:cNvPr>
@@ -6829,9 +8603,9 @@
           <p:nvPr/>
         </p:nvSpPr>
         <p:spPr>
-          <a:xfrm flipH="1">
-            <a:off x="1144944" y="1720840"/>
-            <a:ext cx="9876494" cy="3970318"/>
+          <a:xfrm>
+            <a:off x="3662336" y="4567866"/>
+            <a:ext cx="904673" cy="369332"/>
           </a:xfrm>
           <a:prstGeom prst="rect">
             <a:avLst/>
@@ -6845,182 +8619,132 @@
           <a:lstStyle/>
           <a:p>
             <a:r>
-              <a:rPr lang="sv-SE" u="sng" dirty="0"/>
-              <a:t>Prestanda</a:t>
-            </a:r>
-          </a:p>
-          <a:p>
+              <a:rPr lang="sv-SE" dirty="0" err="1"/>
+              <a:t>spacy</a:t>
+            </a:r>
             <a:endParaRPr lang="sv-SE" dirty="0"/>
           </a:p>
+        </p:txBody>
+      </p:sp>
+      <p:sp>
+        <p:nvSpPr>
+          <p:cNvPr id="30" name="textruta 29">
+            <a:extLst>
+              <a:ext uri="{FF2B5EF4-FFF2-40B4-BE49-F238E27FC236}">
+                <a16:creationId xmlns:a16="http://schemas.microsoft.com/office/drawing/2014/main" id="{EE1B0B28-01C1-4ABF-8F61-EEC0962BB830}"/>
+              </a:ext>
+            </a:extLst>
+          </p:cNvPr>
+          <p:cNvSpPr txBox="1"/>
+          <p:nvPr/>
+        </p:nvSpPr>
+        <p:spPr>
+          <a:xfrm>
+            <a:off x="5114014" y="3599621"/>
+            <a:ext cx="2794863" cy="369332"/>
+          </a:xfrm>
+          <a:prstGeom prst="rect">
+            <a:avLst/>
+          </a:prstGeom>
+          <a:noFill/>
+        </p:spPr>
+        <p:txBody>
+          <a:bodyPr wrap="square" rtlCol="0">
+            <a:spAutoFit/>
+          </a:bodyPr>
+          <a:lstStyle/>
           <a:p>
             <a:r>
               <a:rPr lang="sv-SE" dirty="0"/>
-              <a:t>Val av </a:t>
-            </a:r>
-            <a:r>
-              <a:rPr lang="sv-SE" dirty="0" err="1"/>
-              <a:t>Spacy</a:t>
-            </a:r>
-            <a:r>
-              <a:rPr lang="sv-SE" dirty="0"/>
-              <a:t> modell påverkar prestandan kraftigt</a:t>
-            </a:r>
-          </a:p>
-          <a:p>
-            <a:endParaRPr lang="sv-SE" dirty="0"/>
-          </a:p>
-          <a:p>
-            <a:pPr marL="285750" indent="-285750">
-              <a:buFont typeface="Arial" panose="020B0604020202020204" pitchFamily="34" charset="0"/>
-              <a:buChar char="•"/>
-            </a:pPr>
-            <a:r>
-              <a:rPr lang="sv-SE" dirty="0"/>
-              <a:t>När en </a:t>
-            </a:r>
-            <a:r>
-              <a:rPr lang="sv-SE" dirty="0" err="1"/>
-              <a:t>söktext</a:t>
-            </a:r>
-            <a:r>
-              <a:rPr lang="sv-SE" dirty="0"/>
-              <a:t> eller liknande artiklar matchas används ”</a:t>
-            </a:r>
-            <a:r>
-              <a:rPr lang="sv-SE" dirty="0" err="1"/>
-              <a:t>lg</a:t>
-            </a:r>
-            <a:r>
-              <a:rPr lang="sv-SE" dirty="0"/>
-              <a:t>” modellen</a:t>
-            </a:r>
-          </a:p>
-          <a:p>
-            <a:pPr marL="285750" indent="-285750">
-              <a:buFont typeface="Arial" panose="020B0604020202020204" pitchFamily="34" charset="0"/>
-              <a:buChar char="•"/>
-            </a:pPr>
-            <a:endParaRPr lang="sv-SE" dirty="0"/>
-          </a:p>
-          <a:p>
-            <a:pPr marL="285750" indent="-285750">
-              <a:buFont typeface="Arial" panose="020B0604020202020204" pitchFamily="34" charset="0"/>
-              <a:buChar char="•"/>
-            </a:pPr>
-            <a:r>
-              <a:rPr lang="sv-SE" dirty="0"/>
-              <a:t>När </a:t>
-            </a:r>
-            <a:r>
-              <a:rPr lang="sv-SE" dirty="0" err="1"/>
-              <a:t>admin</a:t>
-            </a:r>
-            <a:r>
-              <a:rPr lang="sv-SE" dirty="0"/>
-              <a:t> lägger till artiklar i DB kan ”</a:t>
-            </a:r>
-            <a:r>
-              <a:rPr lang="sv-SE" dirty="0" err="1"/>
-              <a:t>trf</a:t>
-            </a:r>
-            <a:r>
-              <a:rPr lang="sv-SE" dirty="0"/>
-              <a:t>” modellen användas</a:t>
-            </a:r>
-          </a:p>
-          <a:p>
-            <a:pPr marL="285750" indent="-285750">
-              <a:buFont typeface="Arial" panose="020B0604020202020204" pitchFamily="34" charset="0"/>
-              <a:buChar char="•"/>
-            </a:pPr>
-            <a:endParaRPr lang="sv-SE" dirty="0"/>
-          </a:p>
-          <a:p>
-            <a:pPr marL="285750" indent="-285750">
-              <a:buFont typeface="Arial" panose="020B0604020202020204" pitchFamily="34" charset="0"/>
-              <a:buChar char="•"/>
-            </a:pPr>
-            <a:r>
-              <a:rPr lang="sv-SE" dirty="0"/>
-              <a:t>Då är bearbetning av artikeltexten redan gjord i DB</a:t>
-            </a:r>
-          </a:p>
-          <a:p>
-            <a:endParaRPr lang="sv-SE" dirty="0"/>
-          </a:p>
-          <a:p>
-            <a:endParaRPr lang="sv-SE" dirty="0"/>
-          </a:p>
-          <a:p>
-            <a:r>
-              <a:rPr lang="sv-SE" dirty="0"/>
-              <a:t>Om endast en viss funktionalitet behövs 	</a:t>
-            </a:r>
-            <a:r>
-              <a:rPr lang="sv-SE" dirty="0">
-                <a:sym typeface="Wingdings" panose="05000000000000000000" pitchFamily="2" charset="2"/>
-              </a:rPr>
-              <a:t> 	</a:t>
-            </a:r>
-            <a:r>
-              <a:rPr lang="sv-SE" dirty="0" err="1"/>
-              <a:t>Disable</a:t>
-            </a:r>
-            <a:r>
-              <a:rPr lang="sv-SE" dirty="0"/>
-              <a:t> </a:t>
-            </a:r>
-            <a:r>
-              <a:rPr lang="sv-SE" dirty="0" err="1"/>
-              <a:t>piplines</a:t>
-            </a:r>
-            <a:r>
-              <a:rPr lang="sv-SE" dirty="0"/>
-              <a:t>  	</a:t>
-            </a:r>
-            <a:r>
-              <a:rPr lang="sv-SE" dirty="0">
-                <a:sym typeface="Wingdings" panose="05000000000000000000" pitchFamily="2" charset="2"/>
-              </a:rPr>
-              <a:t>	 </a:t>
-            </a:r>
-            <a:r>
-              <a:rPr lang="sv-SE" dirty="0" err="1"/>
-              <a:t>doc</a:t>
-            </a:r>
-            <a:r>
-              <a:rPr lang="sv-SE" dirty="0"/>
-              <a:t> </a:t>
-            </a:r>
-            <a:r>
-              <a:rPr lang="sv-SE" dirty="0" err="1"/>
-              <a:t>obj</a:t>
-            </a:r>
-            <a:endParaRPr lang="sv-SE" dirty="0"/>
-          </a:p>
-          <a:p>
-            <a:r>
-              <a:rPr lang="sv-SE" dirty="0"/>
-              <a:t>Ex. på användning är när liknande artiklar matchas, där token </a:t>
-            </a:r>
-            <a:r>
-              <a:rPr lang="sv-SE" dirty="0" err="1"/>
-              <a:t>trees</a:t>
-            </a:r>
-            <a:r>
-              <a:rPr lang="sv-SE" dirty="0"/>
-              <a:t> jämförs  </a:t>
-            </a:r>
-          </a:p>
-          <a:p>
-            <a:endParaRPr lang="sv-SE" dirty="0"/>
-          </a:p>
-        </p:txBody>
-      </p:sp>
+              <a:t>3)  Liknade artiklar </a:t>
+            </a:r>
+          </a:p>
+        </p:txBody>
+      </p:sp>
+      <p:cxnSp>
+        <p:nvCxnSpPr>
+          <p:cNvPr id="26" name="Rak pilkoppling 25">
+            <a:extLst>
+              <a:ext uri="{FF2B5EF4-FFF2-40B4-BE49-F238E27FC236}">
+                <a16:creationId xmlns:a16="http://schemas.microsoft.com/office/drawing/2014/main" id="{021F5A2B-5707-459E-B309-7906113B8F82}"/>
+              </a:ext>
+            </a:extLst>
+          </p:cNvPr>
+          <p:cNvCxnSpPr/>
+          <p:nvPr/>
+        </p:nvCxnSpPr>
+        <p:spPr>
+          <a:xfrm flipH="1">
+            <a:off x="6135941" y="6113623"/>
+            <a:ext cx="1252112" cy="0"/>
+          </a:xfrm>
+          <a:prstGeom prst="straightConnector1">
+            <a:avLst/>
+          </a:prstGeom>
+          <a:ln>
+            <a:tailEnd type="triangle"/>
+          </a:ln>
+        </p:spPr>
+        <p:style>
+          <a:lnRef idx="1">
+            <a:schemeClr val="accent3"/>
+          </a:lnRef>
+          <a:fillRef idx="0">
+            <a:schemeClr val="accent3"/>
+          </a:fillRef>
+          <a:effectRef idx="0">
+            <a:schemeClr val="accent3"/>
+          </a:effectRef>
+          <a:fontRef idx="minor">
+            <a:schemeClr val="tx1"/>
+          </a:fontRef>
+        </p:style>
+      </p:cxnSp>
+      <p:cxnSp>
+        <p:nvCxnSpPr>
+          <p:cNvPr id="28" name="Rak pilkoppling 27">
+            <a:extLst>
+              <a:ext uri="{FF2B5EF4-FFF2-40B4-BE49-F238E27FC236}">
+                <a16:creationId xmlns:a16="http://schemas.microsoft.com/office/drawing/2014/main" id="{02F54585-AB7A-4CB8-A7F5-7C413F59509D}"/>
+              </a:ext>
+            </a:extLst>
+          </p:cNvPr>
+          <p:cNvCxnSpPr>
+            <a:cxnSpLocks/>
+          </p:cNvCxnSpPr>
+          <p:nvPr/>
+        </p:nvCxnSpPr>
+        <p:spPr>
+          <a:xfrm flipH="1">
+            <a:off x="3823508" y="6113623"/>
+            <a:ext cx="2195497" cy="0"/>
+          </a:xfrm>
+          <a:prstGeom prst="straightConnector1">
+            <a:avLst/>
+          </a:prstGeom>
+          <a:ln>
+            <a:tailEnd type="triangle"/>
+          </a:ln>
+        </p:spPr>
+        <p:style>
+          <a:lnRef idx="1">
+            <a:schemeClr val="accent3"/>
+          </a:lnRef>
+          <a:fillRef idx="0">
+            <a:schemeClr val="accent3"/>
+          </a:fillRef>
+          <a:effectRef idx="0">
+            <a:schemeClr val="accent3"/>
+          </a:effectRef>
+          <a:fontRef idx="minor">
+            <a:schemeClr val="tx1"/>
+          </a:fontRef>
+        </p:style>
+      </p:cxnSp>
     </p:spTree>
     <p:extLst>
       <p:ext uri="{BB962C8B-B14F-4D97-AF65-F5344CB8AC3E}">
-        <p14:creationId xmlns:p14="http://schemas.microsoft.com/office/powerpoint/2010/main" val="4159117005"/>
+        <p14:creationId xmlns:p14="http://schemas.microsoft.com/office/powerpoint/2010/main" val="2355504991"/>
       </p:ext>
     </p:extLst>
   </p:cSld>
@@ -7030,7 +8754,7 @@
 </p:sld>
 </file>
 
-<file path=ppt/slides/slide6.xml><?xml version="1.0" encoding="utf-8"?>
+<file path=ppt/slides/slide8.xml><?xml version="1.0" encoding="utf-8"?>
 <p:sld xmlns:a="http://schemas.openxmlformats.org/drawingml/2006/main" xmlns:r="http://schemas.openxmlformats.org/officeDocument/2006/relationships" xmlns:p="http://schemas.openxmlformats.org/presentationml/2006/main">
   <p:cSld>
     <p:spTree>
@@ -7168,7 +8892,7 @@
 </p:sld>
 </file>
 
-<file path=ppt/slides/slide7.xml><?xml version="1.0" encoding="utf-8"?>
+<file path=ppt/slides/slide9.xml><?xml version="1.0" encoding="utf-8"?>
 <p:sld xmlns:a="http://schemas.openxmlformats.org/drawingml/2006/main" xmlns:r="http://schemas.openxmlformats.org/officeDocument/2006/relationships" xmlns:p="http://schemas.openxmlformats.org/presentationml/2006/main">
   <p:cSld>
     <p:spTree>

--- a/documentation/Grupp 3.pptx
+++ b/documentation/Grupp 3.pptx
@@ -8,12 +8,13 @@
     <p:sldId id="256" r:id="rId2"/>
     <p:sldId id="257" r:id="rId3"/>
     <p:sldId id="258" r:id="rId4"/>
-    <p:sldId id="262" r:id="rId5"/>
-    <p:sldId id="259" r:id="rId6"/>
-    <p:sldId id="263" r:id="rId7"/>
-    <p:sldId id="264" r:id="rId8"/>
-    <p:sldId id="260" r:id="rId9"/>
-    <p:sldId id="261" r:id="rId10"/>
+    <p:sldId id="265" r:id="rId5"/>
+    <p:sldId id="262" r:id="rId6"/>
+    <p:sldId id="259" r:id="rId7"/>
+    <p:sldId id="263" r:id="rId8"/>
+    <p:sldId id="264" r:id="rId9"/>
+    <p:sldId id="260" r:id="rId10"/>
+    <p:sldId id="261" r:id="rId11"/>
   </p:sldIdLst>
   <p:sldSz cx="12192000" cy="6858000"/>
   <p:notesSz cx="6858000" cy="9144000"/>
@@ -350,7 +351,7 @@
             <a:fld id="{B61BEF0D-F0BB-DE4B-95CE-6DB70DBA9567}" type="datetimeFigureOut">
               <a:rPr lang="en-US" dirty="0"/>
               <a:pPr/>
-              <a:t>6/9/2021</a:t>
+              <a:t>6/10/2021</a:t>
             </a:fld>
             <a:endParaRPr lang="en-US" dirty="0"/>
           </a:p>
@@ -681,7 +682,7 @@
             <a:fld id="{B61BEF0D-F0BB-DE4B-95CE-6DB70DBA9567}" type="datetimeFigureOut">
               <a:rPr lang="en-US" dirty="0"/>
               <a:pPr/>
-              <a:t>6/9/2021</a:t>
+              <a:t>6/10/2021</a:t>
             </a:fld>
             <a:endParaRPr lang="en-US" dirty="0"/>
           </a:p>
@@ -956,7 +957,7 @@
             <a:fld id="{B61BEF0D-F0BB-DE4B-95CE-6DB70DBA9567}" type="datetimeFigureOut">
               <a:rPr lang="en-US" dirty="0"/>
               <a:pPr/>
-              <a:t>6/9/2021</a:t>
+              <a:t>6/10/2021</a:t>
             </a:fld>
             <a:endParaRPr lang="en-US" dirty="0"/>
           </a:p>
@@ -1521,7 +1522,7 @@
             <a:fld id="{B61BEF0D-F0BB-DE4B-95CE-6DB70DBA9567}" type="datetimeFigureOut">
               <a:rPr lang="en-US" dirty="0"/>
               <a:pPr/>
-              <a:t>6/9/2021</a:t>
+              <a:t>6/10/2021</a:t>
             </a:fld>
             <a:endParaRPr lang="en-US" dirty="0"/>
           </a:p>
@@ -1796,7 +1797,7 @@
             <a:fld id="{B61BEF0D-F0BB-DE4B-95CE-6DB70DBA9567}" type="datetimeFigureOut">
               <a:rPr lang="en-US" dirty="0"/>
               <a:pPr/>
-              <a:t>6/9/2021</a:t>
+              <a:t>6/10/2021</a:t>
             </a:fld>
             <a:endParaRPr lang="en-US" dirty="0"/>
           </a:p>
@@ -2355,7 +2356,7 @@
             <a:fld id="{B61BEF0D-F0BB-DE4B-95CE-6DB70DBA9567}" type="datetimeFigureOut">
               <a:rPr lang="en-US" dirty="0"/>
               <a:pPr/>
-              <a:t>6/9/2021</a:t>
+              <a:t>6/10/2021</a:t>
             </a:fld>
             <a:endParaRPr lang="en-US" dirty="0"/>
           </a:p>
@@ -2679,7 +2680,7 @@
             <a:fld id="{B61BEF0D-F0BB-DE4B-95CE-6DB70DBA9567}" type="datetimeFigureOut">
               <a:rPr lang="en-US" dirty="0"/>
               <a:pPr/>
-              <a:t>6/9/2021</a:t>
+              <a:t>6/10/2021</a:t>
             </a:fld>
             <a:endParaRPr lang="en-US" dirty="0"/>
           </a:p>
@@ -2853,7 +2854,7 @@
             <a:fld id="{B61BEF0D-F0BB-DE4B-95CE-6DB70DBA9567}" type="datetimeFigureOut">
               <a:rPr lang="en-US" dirty="0"/>
               <a:pPr/>
-              <a:t>6/9/2021</a:t>
+              <a:t>6/10/2021</a:t>
             </a:fld>
             <a:endParaRPr lang="en-US" dirty="0"/>
           </a:p>
@@ -3088,7 +3089,7 @@
             <a:fld id="{B61BEF0D-F0BB-DE4B-95CE-6DB70DBA9567}" type="datetimeFigureOut">
               <a:rPr lang="en-US" dirty="0"/>
               <a:pPr/>
-              <a:t>6/9/2021</a:t>
+              <a:t>6/10/2021</a:t>
             </a:fld>
             <a:endParaRPr lang="en-US" dirty="0"/>
           </a:p>
@@ -3285,7 +3286,7 @@
             <a:fld id="{B61BEF0D-F0BB-DE4B-95CE-6DB70DBA9567}" type="datetimeFigureOut">
               <a:rPr lang="en-US" dirty="0"/>
               <a:pPr/>
-              <a:t>6/9/2021</a:t>
+              <a:t>6/10/2021</a:t>
             </a:fld>
             <a:endParaRPr lang="en-US" dirty="0"/>
           </a:p>
@@ -3558,7 +3559,7 @@
             <a:fld id="{B61BEF0D-F0BB-DE4B-95CE-6DB70DBA9567}" type="datetimeFigureOut">
               <a:rPr lang="en-US" dirty="0"/>
               <a:pPr/>
-              <a:t>6/9/2021</a:t>
+              <a:t>6/10/2021</a:t>
             </a:fld>
             <a:endParaRPr lang="en-US" dirty="0"/>
           </a:p>
@@ -3821,7 +3822,7 @@
             <a:fld id="{B61BEF0D-F0BB-DE4B-95CE-6DB70DBA9567}" type="datetimeFigureOut">
               <a:rPr lang="en-US" dirty="0"/>
               <a:pPr/>
-              <a:t>6/9/2021</a:t>
+              <a:t>6/10/2021</a:t>
             </a:fld>
             <a:endParaRPr lang="en-US" dirty="0"/>
           </a:p>
@@ -4192,7 +4193,7 @@
             <a:fld id="{B61BEF0D-F0BB-DE4B-95CE-6DB70DBA9567}" type="datetimeFigureOut">
               <a:rPr lang="en-US" dirty="0"/>
               <a:pPr/>
-              <a:t>6/9/2021</a:t>
+              <a:t>6/10/2021</a:t>
             </a:fld>
             <a:endParaRPr lang="en-US" dirty="0"/>
           </a:p>
@@ -4337,7 +4338,7 @@
             <a:fld id="{B61BEF0D-F0BB-DE4B-95CE-6DB70DBA9567}" type="datetimeFigureOut">
               <a:rPr lang="en-US" dirty="0"/>
               <a:pPr/>
-              <a:t>6/9/2021</a:t>
+              <a:t>6/10/2021</a:t>
             </a:fld>
             <a:endParaRPr lang="en-US" dirty="0"/>
           </a:p>
@@ -4459,7 +4460,7 @@
             <a:fld id="{B61BEF0D-F0BB-DE4B-95CE-6DB70DBA9567}" type="datetimeFigureOut">
               <a:rPr lang="en-US" dirty="0"/>
               <a:pPr/>
-              <a:t>6/9/2021</a:t>
+              <a:t>6/10/2021</a:t>
             </a:fld>
             <a:endParaRPr lang="en-US" dirty="0"/>
           </a:p>
@@ -4741,7 +4742,7 @@
             <a:fld id="{B61BEF0D-F0BB-DE4B-95CE-6DB70DBA9567}" type="datetimeFigureOut">
               <a:rPr lang="en-US" dirty="0"/>
               <a:pPr/>
-              <a:t>6/9/2021</a:t>
+              <a:t>6/10/2021</a:t>
             </a:fld>
             <a:endParaRPr lang="en-US" dirty="0"/>
           </a:p>
@@ -5062,7 +5063,7 @@
             <a:fld id="{B61BEF0D-F0BB-DE4B-95CE-6DB70DBA9567}" type="datetimeFigureOut">
               <a:rPr lang="en-US" dirty="0"/>
               <a:pPr/>
-              <a:t>6/9/2021</a:t>
+              <a:t>6/10/2021</a:t>
             </a:fld>
             <a:endParaRPr lang="en-US" dirty="0"/>
           </a:p>
@@ -5273,7 +5274,7 @@
             <a:fld id="{B61BEF0D-F0BB-DE4B-95CE-6DB70DBA9567}" type="datetimeFigureOut">
               <a:rPr lang="en-US" dirty="0"/>
               <a:pPr/>
-              <a:t>6/9/2021</a:t>
+              <a:t>6/10/2021</a:t>
             </a:fld>
             <a:endParaRPr lang="en-US" dirty="0"/>
           </a:p>
@@ -5850,6 +5851,127 @@
 </p:sld>
 </file>
 
+<file path=ppt/slides/slide10.xml><?xml version="1.0" encoding="utf-8"?>
+<p:sld xmlns:a="http://schemas.openxmlformats.org/drawingml/2006/main" xmlns:r="http://schemas.openxmlformats.org/officeDocument/2006/relationships" xmlns:p="http://schemas.openxmlformats.org/presentationml/2006/main">
+  <p:cSld>
+    <p:spTree>
+      <p:nvGrpSpPr>
+        <p:cNvPr id="1" name=""/>
+        <p:cNvGrpSpPr/>
+        <p:nvPr/>
+      </p:nvGrpSpPr>
+      <p:grpSpPr>
+        <a:xfrm>
+          <a:off x="0" y="0"/>
+          <a:ext cx="0" cy="0"/>
+          <a:chOff x="0" y="0"/>
+          <a:chExt cx="0" cy="0"/>
+        </a:xfrm>
+      </p:grpSpPr>
+      <p:sp>
+        <p:nvSpPr>
+          <p:cNvPr id="2" name="Rubrik 1">
+            <a:extLst>
+              <a:ext uri="{FF2B5EF4-FFF2-40B4-BE49-F238E27FC236}">
+                <a16:creationId xmlns:a16="http://schemas.microsoft.com/office/drawing/2014/main" id="{B5F2B868-E395-405C-ADBB-58A060CBC2C6}"/>
+              </a:ext>
+            </a:extLst>
+          </p:cNvPr>
+          <p:cNvSpPr>
+            <a:spLocks noGrp="1"/>
+          </p:cNvSpPr>
+          <p:nvPr>
+            <p:ph type="title"/>
+          </p:nvPr>
+        </p:nvSpPr>
+        <p:spPr/>
+        <p:txBody>
+          <a:bodyPr>
+            <a:normAutofit/>
+          </a:bodyPr>
+          <a:lstStyle/>
+          <a:p>
+            <a:pPr algn="ctr"/>
+            <a:r>
+              <a:rPr lang="sv-SE" sz="6000" dirty="0"/>
+              <a:t>Utvecklingsmöjligheter</a:t>
+            </a:r>
+          </a:p>
+        </p:txBody>
+      </p:sp>
+      <p:sp>
+        <p:nvSpPr>
+          <p:cNvPr id="3" name="Platshållare för innehåll 2">
+            <a:extLst>
+              <a:ext uri="{FF2B5EF4-FFF2-40B4-BE49-F238E27FC236}">
+                <a16:creationId xmlns:a16="http://schemas.microsoft.com/office/drawing/2014/main" id="{3569BB61-163D-4F92-AFC8-0C744ADD5DAE}"/>
+              </a:ext>
+            </a:extLst>
+          </p:cNvPr>
+          <p:cNvSpPr>
+            <a:spLocks noGrp="1"/>
+          </p:cNvSpPr>
+          <p:nvPr>
+            <p:ph idx="1"/>
+          </p:nvPr>
+        </p:nvSpPr>
+        <p:spPr>
+          <a:xfrm>
+            <a:off x="685801" y="2152650"/>
+            <a:ext cx="10131425" cy="3543300"/>
+          </a:xfrm>
+        </p:spPr>
+        <p:txBody>
+          <a:bodyPr/>
+          <a:lstStyle/>
+          <a:p>
+            <a:r>
+              <a:rPr lang="sv-SE" sz="2800" dirty="0"/>
+              <a:t>Admin inloggning med PUT och DELETE funktion</a:t>
+            </a:r>
+          </a:p>
+          <a:p>
+            <a:r>
+              <a:rPr lang="sv-SE" sz="2800" dirty="0"/>
+              <a:t>Lokal lagring/uppladdning av PDF filer</a:t>
+            </a:r>
+          </a:p>
+          <a:p>
+            <a:r>
+              <a:rPr lang="sv-SE" sz="2800" dirty="0"/>
+              <a:t>Inloggning för användare som kan ge förslag på artiklar att lägga till</a:t>
+            </a:r>
+          </a:p>
+          <a:p>
+            <a:pPr marL="0" indent="0">
+              <a:buNone/>
+            </a:pPr>
+            <a:r>
+              <a:rPr lang="sv-SE" sz="2800" dirty="0"/>
+              <a:t>   (Admin utför)</a:t>
+            </a:r>
+          </a:p>
+          <a:p>
+            <a:pPr marL="0" indent="0">
+              <a:buNone/>
+            </a:pPr>
+            <a:endParaRPr lang="sv-SE" dirty="0"/>
+          </a:p>
+        </p:txBody>
+      </p:sp>
+    </p:spTree>
+    <p:extLst>
+      <p:ext uri="{BB962C8B-B14F-4D97-AF65-F5344CB8AC3E}">
+        <p14:creationId xmlns:p14="http://schemas.microsoft.com/office/powerpoint/2010/main" val="2150966958"/>
+      </p:ext>
+    </p:extLst>
+  </p:cSld>
+  <p:clrMapOvr>
+    <a:masterClrMapping/>
+  </p:clrMapOvr>
+</p:sld>
+</file>
+
 <file path=ppt/slides/slide2.xml><?xml version="1.0" encoding="utf-8"?>
 <p:sld xmlns:a="http://schemas.openxmlformats.org/drawingml/2006/main" xmlns:r="http://schemas.openxmlformats.org/officeDocument/2006/relationships" xmlns:p="http://schemas.openxmlformats.org/presentationml/2006/main">
   <p:cSld>
@@ -6088,6 +6210,147 @@
           <p:cNvPr id="2" name="Rubrik 1">
             <a:extLst>
               <a:ext uri="{FF2B5EF4-FFF2-40B4-BE49-F238E27FC236}">
+                <a16:creationId xmlns:a16="http://schemas.microsoft.com/office/drawing/2014/main" id="{AF1A6147-FDE6-4482-8925-00CC66C531CA}"/>
+              </a:ext>
+            </a:extLst>
+          </p:cNvPr>
+          <p:cNvSpPr>
+            <a:spLocks noGrp="1"/>
+          </p:cNvSpPr>
+          <p:nvPr>
+            <p:ph type="title"/>
+          </p:nvPr>
+        </p:nvSpPr>
+        <p:spPr/>
+        <p:txBody>
+          <a:bodyPr>
+            <a:normAutofit/>
+          </a:bodyPr>
+          <a:lstStyle/>
+          <a:p>
+            <a:pPr algn="ctr"/>
+            <a:r>
+              <a:rPr lang="sv-SE" sz="6000" dirty="0"/>
+              <a:t>Databas</a:t>
+            </a:r>
+          </a:p>
+        </p:txBody>
+      </p:sp>
+      <p:sp>
+        <p:nvSpPr>
+          <p:cNvPr id="3" name="Platshållare för innehåll 2">
+            <a:extLst>
+              <a:ext uri="{FF2B5EF4-FFF2-40B4-BE49-F238E27FC236}">
+                <a16:creationId xmlns:a16="http://schemas.microsoft.com/office/drawing/2014/main" id="{68C5D96C-2515-4EBF-B26C-A86B51B5B8D2}"/>
+              </a:ext>
+            </a:extLst>
+          </p:cNvPr>
+          <p:cNvSpPr>
+            <a:spLocks noGrp="1"/>
+          </p:cNvSpPr>
+          <p:nvPr>
+            <p:ph idx="1"/>
+          </p:nvPr>
+        </p:nvSpPr>
+        <p:spPr>
+          <a:xfrm>
+            <a:off x="685801" y="2065867"/>
+            <a:ext cx="10131425" cy="3725334"/>
+          </a:xfrm>
+        </p:spPr>
+        <p:txBody>
+          <a:bodyPr/>
+          <a:lstStyle/>
+          <a:p>
+            <a:r>
+              <a:rPr lang="sv-SE" sz="2800" dirty="0"/>
+              <a:t>Id  (Primärnyckel - genereras av databasen)</a:t>
+            </a:r>
+          </a:p>
+          <a:p>
+            <a:r>
+              <a:rPr lang="sv-SE" sz="2800" dirty="0"/>
+              <a:t>Text</a:t>
+            </a:r>
+          </a:p>
+          <a:p>
+            <a:r>
+              <a:rPr lang="sv-SE" sz="2800" dirty="0" err="1"/>
+              <a:t>Tokentree</a:t>
+            </a:r>
+            <a:r>
+              <a:rPr lang="sv-SE" sz="2800" dirty="0"/>
+              <a:t> </a:t>
+            </a:r>
+          </a:p>
+          <a:p>
+            <a:r>
+              <a:rPr lang="sv-SE" sz="2800" dirty="0" err="1"/>
+              <a:t>Path</a:t>
+            </a:r>
+            <a:endParaRPr lang="sv-SE" sz="2800" dirty="0"/>
+          </a:p>
+          <a:p>
+            <a:r>
+              <a:rPr lang="sv-SE" sz="2800" dirty="0" err="1"/>
+              <a:t>Title</a:t>
+            </a:r>
+            <a:endParaRPr lang="sv-SE" sz="2800" dirty="0"/>
+          </a:p>
+          <a:p>
+            <a:r>
+              <a:rPr lang="sv-SE" sz="2800" dirty="0" err="1"/>
+              <a:t>Summary</a:t>
+            </a:r>
+            <a:r>
+              <a:rPr lang="sv-SE" sz="2800"/>
+              <a:t> </a:t>
+            </a:r>
+            <a:endParaRPr lang="sv-SE" sz="2800" dirty="0"/>
+          </a:p>
+          <a:p>
+            <a:pPr marL="0" indent="0">
+              <a:buNone/>
+            </a:pPr>
+            <a:endParaRPr lang="sv-SE" dirty="0"/>
+          </a:p>
+        </p:txBody>
+      </p:sp>
+    </p:spTree>
+    <p:extLst>
+      <p:ext uri="{BB962C8B-B14F-4D97-AF65-F5344CB8AC3E}">
+        <p14:creationId xmlns:p14="http://schemas.microsoft.com/office/powerpoint/2010/main" val="1605724461"/>
+      </p:ext>
+    </p:extLst>
+  </p:cSld>
+  <p:clrMapOvr>
+    <a:masterClrMapping/>
+  </p:clrMapOvr>
+</p:sld>
+</file>
+
+<file path=ppt/slides/slide5.xml><?xml version="1.0" encoding="utf-8"?>
+<p:sld xmlns:a="http://schemas.openxmlformats.org/drawingml/2006/main" xmlns:r="http://schemas.openxmlformats.org/officeDocument/2006/relationships" xmlns:p="http://schemas.openxmlformats.org/presentationml/2006/main">
+  <p:cSld>
+    <p:spTree>
+      <p:nvGrpSpPr>
+        <p:cNvPr id="1" name=""/>
+        <p:cNvGrpSpPr/>
+        <p:nvPr/>
+      </p:nvGrpSpPr>
+      <p:grpSpPr>
+        <a:xfrm>
+          <a:off x="0" y="0"/>
+          <a:ext cx="0" cy="0"/>
+          <a:chOff x="0" y="0"/>
+          <a:chExt cx="0" cy="0"/>
+        </a:xfrm>
+      </p:grpSpPr>
+      <p:sp>
+        <p:nvSpPr>
+          <p:cNvPr id="2" name="Rubrik 1">
+            <a:extLst>
+              <a:ext uri="{FF2B5EF4-FFF2-40B4-BE49-F238E27FC236}">
                 <a16:creationId xmlns:a16="http://schemas.microsoft.com/office/drawing/2014/main" id="{CAB8820C-29F3-46A3-879F-09C9D61D3B56}"/>
               </a:ext>
             </a:extLst>
@@ -6339,7 +6602,7 @@
 </p:sld>
 </file>
 
-<file path=ppt/slides/slide5.xml><?xml version="1.0" encoding="utf-8"?>
+<file path=ppt/slides/slide6.xml><?xml version="1.0" encoding="utf-8"?>
 <p:sld xmlns:a="http://schemas.openxmlformats.org/drawingml/2006/main" xmlns:r="http://schemas.openxmlformats.org/officeDocument/2006/relationships" xmlns:p="http://schemas.openxmlformats.org/presentationml/2006/main">
   <p:cSld>
     <p:spTree>
@@ -7136,7 +7399,7 @@
 </p:sld>
 </file>
 
-<file path=ppt/slides/slide6.xml><?xml version="1.0" encoding="utf-8"?>
+<file path=ppt/slides/slide7.xml><?xml version="1.0" encoding="utf-8"?>
 <p:sld xmlns:a="http://schemas.openxmlformats.org/drawingml/2006/main" xmlns:r="http://schemas.openxmlformats.org/officeDocument/2006/relationships" xmlns:p="http://schemas.openxmlformats.org/presentationml/2006/main">
   <p:cSld>
     <p:spTree>
@@ -8017,7 +8280,7 @@
 </p:sld>
 </file>
 
-<file path=ppt/slides/slide7.xml><?xml version="1.0" encoding="utf-8"?>
+<file path=ppt/slides/slide8.xml><?xml version="1.0" encoding="utf-8"?>
 <p:sld xmlns:a="http://schemas.openxmlformats.org/drawingml/2006/main" xmlns:r="http://schemas.openxmlformats.org/officeDocument/2006/relationships" xmlns:p="http://schemas.openxmlformats.org/presentationml/2006/main">
   <p:cSld>
     <p:spTree>
@@ -8754,144 +9017,6 @@
 </p:sld>
 </file>
 
-<file path=ppt/slides/slide8.xml><?xml version="1.0" encoding="utf-8"?>
-<p:sld xmlns:a="http://schemas.openxmlformats.org/drawingml/2006/main" xmlns:r="http://schemas.openxmlformats.org/officeDocument/2006/relationships" xmlns:p="http://schemas.openxmlformats.org/presentationml/2006/main">
-  <p:cSld>
-    <p:spTree>
-      <p:nvGrpSpPr>
-        <p:cNvPr id="1" name=""/>
-        <p:cNvGrpSpPr/>
-        <p:nvPr/>
-      </p:nvGrpSpPr>
-      <p:grpSpPr>
-        <a:xfrm>
-          <a:off x="0" y="0"/>
-          <a:ext cx="0" cy="0"/>
-          <a:chOff x="0" y="0"/>
-          <a:chExt cx="0" cy="0"/>
-        </a:xfrm>
-      </p:grpSpPr>
-      <p:sp>
-        <p:nvSpPr>
-          <p:cNvPr id="2" name="Rubrik 1">
-            <a:extLst>
-              <a:ext uri="{FF2B5EF4-FFF2-40B4-BE49-F238E27FC236}">
-                <a16:creationId xmlns:a16="http://schemas.microsoft.com/office/drawing/2014/main" id="{65AC390F-093D-46EC-BED9-37414EE21859}"/>
-              </a:ext>
-            </a:extLst>
-          </p:cNvPr>
-          <p:cNvSpPr>
-            <a:spLocks noGrp="1"/>
-          </p:cNvSpPr>
-          <p:nvPr>
-            <p:ph type="title"/>
-          </p:nvPr>
-        </p:nvSpPr>
-        <p:spPr/>
-        <p:txBody>
-          <a:bodyPr>
-            <a:normAutofit/>
-          </a:bodyPr>
-          <a:lstStyle/>
-          <a:p>
-            <a:pPr algn="ctr"/>
-            <a:r>
-              <a:rPr lang="sv-SE" sz="6000" dirty="0"/>
-              <a:t>DEMO</a:t>
-            </a:r>
-          </a:p>
-        </p:txBody>
-      </p:sp>
-      <p:sp>
-        <p:nvSpPr>
-          <p:cNvPr id="3" name="Platshållare för innehåll 2">
-            <a:extLst>
-              <a:ext uri="{FF2B5EF4-FFF2-40B4-BE49-F238E27FC236}">
-                <a16:creationId xmlns:a16="http://schemas.microsoft.com/office/drawing/2014/main" id="{E714CE29-177C-4BF0-B4BB-5B003C784939}"/>
-              </a:ext>
-            </a:extLst>
-          </p:cNvPr>
-          <p:cNvSpPr>
-            <a:spLocks noGrp="1"/>
-          </p:cNvSpPr>
-          <p:nvPr>
-            <p:ph idx="1"/>
-          </p:nvPr>
-        </p:nvSpPr>
-        <p:spPr>
-          <a:xfrm>
-            <a:off x="685801" y="1856317"/>
-            <a:ext cx="10801349" cy="4468283"/>
-          </a:xfrm>
-        </p:spPr>
-        <p:txBody>
-          <a:bodyPr>
-            <a:normAutofit/>
-          </a:bodyPr>
-          <a:lstStyle/>
-          <a:p>
-            <a:r>
-              <a:rPr lang="sv-SE" sz="2800" dirty="0"/>
-              <a:t>Söker på en text</a:t>
-            </a:r>
-          </a:p>
-          <a:p>
-            <a:r>
-              <a:rPr lang="sv-SE" sz="2800" dirty="0"/>
-              <a:t>Söker på ett längre stycke</a:t>
-            </a:r>
-          </a:p>
-          <a:p>
-            <a:r>
-              <a:rPr lang="sv-SE" sz="2800" dirty="0"/>
-              <a:t>Söker på text som inte ger matchning</a:t>
-            </a:r>
-          </a:p>
-          <a:p>
-            <a:r>
-              <a:rPr lang="sv-SE" sz="2800" dirty="0"/>
-              <a:t>”Summary”</a:t>
-            </a:r>
-          </a:p>
-          <a:p>
-            <a:r>
-              <a:rPr lang="sv-SE" sz="2800" dirty="0"/>
-              <a:t>”Full article”</a:t>
-            </a:r>
-          </a:p>
-          <a:p>
-            <a:r>
-              <a:rPr lang="sv-SE" sz="2800" dirty="0"/>
-              <a:t>Relaterade artiklar</a:t>
-            </a:r>
-          </a:p>
-          <a:p>
-            <a:r>
-              <a:rPr lang="sv-SE" sz="2800" dirty="0"/>
-              <a:t>Lägga till en ny artikel i DB</a:t>
-            </a:r>
-          </a:p>
-          <a:p>
-            <a:r>
-              <a:rPr lang="sv-SE" sz="2800" dirty="0"/>
-              <a:t>Lägga till utan att mata in något</a:t>
-            </a:r>
-          </a:p>
-        </p:txBody>
-      </p:sp>
-    </p:spTree>
-    <p:extLst>
-      <p:ext uri="{BB962C8B-B14F-4D97-AF65-F5344CB8AC3E}">
-        <p14:creationId xmlns:p14="http://schemas.microsoft.com/office/powerpoint/2010/main" val="1451578171"/>
-      </p:ext>
-    </p:extLst>
-  </p:cSld>
-  <p:clrMapOvr>
-    <a:masterClrMapping/>
-  </p:clrMapOvr>
-</p:sld>
-</file>
-
 <file path=ppt/slides/slide9.xml><?xml version="1.0" encoding="utf-8"?>
 <p:sld xmlns:a="http://schemas.openxmlformats.org/drawingml/2006/main" xmlns:r="http://schemas.openxmlformats.org/officeDocument/2006/relationships" xmlns:p="http://schemas.openxmlformats.org/presentationml/2006/main">
   <p:cSld>
@@ -8914,7 +9039,7 @@
           <p:cNvPr id="2" name="Rubrik 1">
             <a:extLst>
               <a:ext uri="{FF2B5EF4-FFF2-40B4-BE49-F238E27FC236}">
-                <a16:creationId xmlns:a16="http://schemas.microsoft.com/office/drawing/2014/main" id="{B5F2B868-E395-405C-ADBB-58A060CBC2C6}"/>
+                <a16:creationId xmlns:a16="http://schemas.microsoft.com/office/drawing/2014/main" id="{65AC390F-093D-46EC-BED9-37414EE21859}"/>
               </a:ext>
             </a:extLst>
           </p:cNvPr>
@@ -8935,7 +9060,7 @@
             <a:pPr algn="ctr"/>
             <a:r>
               <a:rPr lang="sv-SE" sz="6000" dirty="0"/>
-              <a:t>Utvecklingsmöjligheter</a:t>
+              <a:t>DEMO</a:t>
             </a:r>
           </a:p>
         </p:txBody>
@@ -8945,7 +9070,7 @@
           <p:cNvPr id="3" name="Platshållare för innehåll 2">
             <a:extLst>
               <a:ext uri="{FF2B5EF4-FFF2-40B4-BE49-F238E27FC236}">
-                <a16:creationId xmlns:a16="http://schemas.microsoft.com/office/drawing/2014/main" id="{3569BB61-163D-4F92-AFC8-0C744ADD5DAE}"/>
+                <a16:creationId xmlns:a16="http://schemas.microsoft.com/office/drawing/2014/main" id="{E714CE29-177C-4BF0-B4BB-5B003C784939}"/>
               </a:ext>
             </a:extLst>
           </p:cNvPr>
@@ -8958,52 +9083,69 @@
         </p:nvSpPr>
         <p:spPr>
           <a:xfrm>
-            <a:off x="685801" y="2152650"/>
-            <a:ext cx="10131425" cy="3543300"/>
-          </a:xfrm>
-        </p:spPr>
-        <p:txBody>
-          <a:bodyPr/>
+            <a:off x="685801" y="1856317"/>
+            <a:ext cx="10801349" cy="4468283"/>
+          </a:xfrm>
+        </p:spPr>
+        <p:txBody>
+          <a:bodyPr>
+            <a:normAutofit/>
+          </a:bodyPr>
           <a:lstStyle/>
           <a:p>
             <a:r>
               <a:rPr lang="sv-SE" sz="2800" dirty="0"/>
-              <a:t>Admin inloggning med PUT och DELETE funktion</a:t>
+              <a:t>Söker på en text</a:t>
             </a:r>
           </a:p>
           <a:p>
             <a:r>
               <a:rPr lang="sv-SE" sz="2800" dirty="0"/>
-              <a:t>Lokal lagring/uppladdning av PDF filer</a:t>
+              <a:t>Söker på ett längre stycke</a:t>
             </a:r>
           </a:p>
           <a:p>
             <a:r>
               <a:rPr lang="sv-SE" sz="2800" dirty="0"/>
-              <a:t>Inloggning för användare som kan ge förslag på artiklar att lägga till</a:t>
-            </a:r>
-          </a:p>
-          <a:p>
-            <a:pPr marL="0" indent="0">
-              <a:buNone/>
-            </a:pPr>
+              <a:t>Söker på text som inte ger matchning</a:t>
+            </a:r>
+          </a:p>
+          <a:p>
             <a:r>
               <a:rPr lang="sv-SE" sz="2800" dirty="0"/>
-              <a:t>   (Admin utför)</a:t>
-            </a:r>
-          </a:p>
-          <a:p>
-            <a:pPr marL="0" indent="0">
-              <a:buNone/>
-            </a:pPr>
-            <a:endParaRPr lang="sv-SE" dirty="0"/>
+              <a:t>”Summary”</a:t>
+            </a:r>
+          </a:p>
+          <a:p>
+            <a:r>
+              <a:rPr lang="sv-SE" sz="2800" dirty="0"/>
+              <a:t>”Full article”</a:t>
+            </a:r>
+          </a:p>
+          <a:p>
+            <a:r>
+              <a:rPr lang="sv-SE" sz="2800" dirty="0"/>
+              <a:t>Relaterade artiklar</a:t>
+            </a:r>
+          </a:p>
+          <a:p>
+            <a:r>
+              <a:rPr lang="sv-SE" sz="2800" dirty="0"/>
+              <a:t>Lägga till en ny artikel i DB</a:t>
+            </a:r>
+          </a:p>
+          <a:p>
+            <a:r>
+              <a:rPr lang="sv-SE" sz="2800" dirty="0"/>
+              <a:t>Lägga till utan att mata in något</a:t>
+            </a:r>
           </a:p>
         </p:txBody>
       </p:sp>
     </p:spTree>
     <p:extLst>
       <p:ext uri="{BB962C8B-B14F-4D97-AF65-F5344CB8AC3E}">
-        <p14:creationId xmlns:p14="http://schemas.microsoft.com/office/powerpoint/2010/main" val="2150966958"/>
+        <p14:creationId xmlns:p14="http://schemas.microsoft.com/office/powerpoint/2010/main" val="1451578171"/>
       </p:ext>
     </p:extLst>
   </p:cSld>

--- a/documentation/Grupp 3.pptx
+++ b/documentation/Grupp 3.pptx
@@ -15,6 +15,7 @@
     <p:sldId id="264" r:id="rId9"/>
     <p:sldId id="260" r:id="rId10"/>
     <p:sldId id="261" r:id="rId11"/>
+    <p:sldId id="266" r:id="rId12"/>
   </p:sldIdLst>
   <p:sldSz cx="12192000" cy="6858000"/>
   <p:notesSz cx="6858000" cy="9144000"/>
@@ -5894,7 +5895,7 @@
             <a:pPr algn="ctr"/>
             <a:r>
               <a:rPr lang="sv-SE" sz="6000" dirty="0"/>
-              <a:t>Utvecklingsmöjligheter</a:t>
+              <a:t>Svagheter</a:t>
             </a:r>
           </a:p>
         </p:txBody>
@@ -5917,7 +5918,7 @@
         </p:nvSpPr>
         <p:spPr>
           <a:xfrm>
-            <a:off x="685801" y="2152650"/>
+            <a:off x="685801" y="2387542"/>
             <a:ext cx="10131425" cy="3543300"/>
           </a:xfrm>
         </p:spPr>
@@ -5927,29 +5928,23 @@
           <a:p>
             <a:r>
               <a:rPr lang="sv-SE" sz="2800" dirty="0"/>
-              <a:t>Admin inloggning med PUT och DELETE funktion</a:t>
+              <a:t>Varierande kvalitét på summering och matchning</a:t>
             </a:r>
           </a:p>
           <a:p>
             <a:r>
               <a:rPr lang="sv-SE" sz="2800" dirty="0"/>
-              <a:t>Lokal lagring/uppladdning av PDF filer</a:t>
+              <a:t>Inte optimal för stora mängder data</a:t>
             </a:r>
           </a:p>
           <a:p>
             <a:r>
               <a:rPr lang="sv-SE" sz="2800" dirty="0"/>
-              <a:t>Inloggning för användare som kan ge förslag på artiklar att lägga till</a:t>
-            </a:r>
-          </a:p>
-          <a:p>
-            <a:pPr marL="0" indent="0">
-              <a:buNone/>
-            </a:pPr>
-            <a:r>
-              <a:rPr lang="sv-SE" sz="2800" dirty="0"/>
-              <a:t>   (Admin utför)</a:t>
-            </a:r>
+              <a:t>Ingen lokal filuppladdning</a:t>
+            </a:r>
+          </a:p>
+          <a:p>
+            <a:endParaRPr lang="sv-SE" sz="2800" dirty="0"/>
           </a:p>
           <a:p>
             <a:pPr marL="0" indent="0">
@@ -5963,6 +5958,128 @@
     <p:extLst>
       <p:ext uri="{BB962C8B-B14F-4D97-AF65-F5344CB8AC3E}">
         <p14:creationId xmlns:p14="http://schemas.microsoft.com/office/powerpoint/2010/main" val="2150966958"/>
+      </p:ext>
+    </p:extLst>
+  </p:cSld>
+  <p:clrMapOvr>
+    <a:masterClrMapping/>
+  </p:clrMapOvr>
+</p:sld>
+</file>
+
+<file path=ppt/slides/slide11.xml><?xml version="1.0" encoding="utf-8"?>
+<p:sld xmlns:a="http://schemas.openxmlformats.org/drawingml/2006/main" xmlns:r="http://schemas.openxmlformats.org/officeDocument/2006/relationships" xmlns:p="http://schemas.openxmlformats.org/presentationml/2006/main">
+  <p:cSld>
+    <p:spTree>
+      <p:nvGrpSpPr>
+        <p:cNvPr id="1" name=""/>
+        <p:cNvGrpSpPr/>
+        <p:nvPr/>
+      </p:nvGrpSpPr>
+      <p:grpSpPr>
+        <a:xfrm>
+          <a:off x="0" y="0"/>
+          <a:ext cx="0" cy="0"/>
+          <a:chOff x="0" y="0"/>
+          <a:chExt cx="0" cy="0"/>
+        </a:xfrm>
+      </p:grpSpPr>
+      <p:sp>
+        <p:nvSpPr>
+          <p:cNvPr id="2" name="Rubrik 1">
+            <a:extLst>
+              <a:ext uri="{FF2B5EF4-FFF2-40B4-BE49-F238E27FC236}">
+                <a16:creationId xmlns:a16="http://schemas.microsoft.com/office/drawing/2014/main" id="{B5F2B868-E395-405C-ADBB-58A060CBC2C6}"/>
+              </a:ext>
+            </a:extLst>
+          </p:cNvPr>
+          <p:cNvSpPr>
+            <a:spLocks noGrp="1"/>
+          </p:cNvSpPr>
+          <p:nvPr>
+            <p:ph type="title"/>
+          </p:nvPr>
+        </p:nvSpPr>
+        <p:spPr/>
+        <p:txBody>
+          <a:bodyPr>
+            <a:normAutofit/>
+          </a:bodyPr>
+          <a:lstStyle/>
+          <a:p>
+            <a:pPr algn="ctr"/>
+            <a:r>
+              <a:rPr lang="sv-SE" sz="6000" dirty="0"/>
+              <a:t>Utvecklingsmöjligheter</a:t>
+            </a:r>
+          </a:p>
+        </p:txBody>
+      </p:sp>
+      <p:sp>
+        <p:nvSpPr>
+          <p:cNvPr id="3" name="Platshållare för innehåll 2">
+            <a:extLst>
+              <a:ext uri="{FF2B5EF4-FFF2-40B4-BE49-F238E27FC236}">
+                <a16:creationId xmlns:a16="http://schemas.microsoft.com/office/drawing/2014/main" id="{3569BB61-163D-4F92-AFC8-0C744ADD5DAE}"/>
+              </a:ext>
+            </a:extLst>
+          </p:cNvPr>
+          <p:cNvSpPr>
+            <a:spLocks noGrp="1"/>
+          </p:cNvSpPr>
+          <p:nvPr>
+            <p:ph idx="1"/>
+          </p:nvPr>
+        </p:nvSpPr>
+        <p:spPr>
+          <a:xfrm>
+            <a:off x="685801" y="2152650"/>
+            <a:ext cx="10131425" cy="3543300"/>
+          </a:xfrm>
+        </p:spPr>
+        <p:txBody>
+          <a:bodyPr/>
+          <a:lstStyle/>
+          <a:p>
+            <a:r>
+              <a:rPr lang="sv-SE" sz="2800" dirty="0" err="1"/>
+              <a:t>Admin</a:t>
+            </a:r>
+            <a:r>
+              <a:rPr lang="sv-SE" sz="2800" dirty="0"/>
+              <a:t> login med PUT och DELETE funktion</a:t>
+            </a:r>
+          </a:p>
+          <a:p>
+            <a:r>
+              <a:rPr lang="sv-SE" sz="2800" dirty="0"/>
+              <a:t>Inloggning för användare, förslag på artiklar att lägga till</a:t>
+            </a:r>
+          </a:p>
+          <a:p>
+            <a:r>
+              <a:rPr lang="sv-SE" sz="2800" dirty="0"/>
+              <a:t>Möjlighet för användare att rapportera problem</a:t>
+            </a:r>
+          </a:p>
+          <a:p>
+            <a:r>
+              <a:rPr lang="sv-SE" sz="2800" dirty="0"/>
+              <a:t>Stöd för lokal lagring/uppladdning av PDF filer</a:t>
+            </a:r>
+          </a:p>
+          <a:p>
+            <a:pPr marL="0" indent="0">
+              <a:buNone/>
+            </a:pPr>
+            <a:endParaRPr lang="sv-SE" dirty="0"/>
+          </a:p>
+        </p:txBody>
+      </p:sp>
+    </p:spTree>
+    <p:extLst>
+      <p:ext uri="{BB962C8B-B14F-4D97-AF65-F5344CB8AC3E}">
+        <p14:creationId xmlns:p14="http://schemas.microsoft.com/office/powerpoint/2010/main" val="3720702206"/>
       </p:ext>
     </p:extLst>
   </p:cSld>

--- a/documentation/Grupp 3.pptx
+++ b/documentation/Grupp 3.pptx
@@ -6481,7 +6481,7 @@
         </p:nvSpPr>
         <p:spPr>
           <a:xfrm>
-            <a:off x="685801" y="282430"/>
+            <a:off x="685801" y="257263"/>
             <a:ext cx="10131425" cy="1009475"/>
           </a:xfrm>
         </p:spPr>
@@ -6552,7 +6552,7 @@
             </a:r>
             <a:r>
               <a:rPr lang="sv-SE" dirty="0"/>
-              <a:t> modell påverkar prestandan kraftigt</a:t>
+              <a:t> modell påverkar prestandan </a:t>
             </a:r>
           </a:p>
           <a:p>
@@ -6565,7 +6565,7 @@
             </a:pPr>
             <a:r>
               <a:rPr lang="sv-SE" dirty="0"/>
-              <a:t>När en </a:t>
+              <a:t>Vid matchning av </a:t>
             </a:r>
             <a:r>
               <a:rPr lang="sv-SE" dirty="0" err="1"/>
@@ -6573,7 +6573,7 @@
             </a:r>
             <a:r>
               <a:rPr lang="sv-SE" dirty="0"/>
-              <a:t> eller liknande artiklar matchas används ”</a:t>
+              <a:t> eller liknande artiklar används ”</a:t>
             </a:r>
             <a:r>
               <a:rPr lang="sv-SE" dirty="0" err="1"/>
@@ -6652,53 +6652,21 @@
               <a:t> 	</a:t>
             </a:r>
             <a:r>
-              <a:rPr lang="sv-SE" dirty="0" err="1"/>
-              <a:t>Disable</a:t>
-            </a:r>
-            <a:r>
-              <a:rPr lang="sv-SE" dirty="0"/>
-              <a:t> </a:t>
-            </a:r>
-            <a:r>
-              <a:rPr lang="sv-SE" dirty="0" err="1"/>
-              <a:t>piplines</a:t>
-            </a:r>
-            <a:r>
-              <a:rPr lang="sv-SE" dirty="0"/>
-              <a:t>  	</a:t>
-            </a:r>
-            <a:r>
-              <a:rPr lang="sv-SE" dirty="0">
+              <a:rPr lang="sv-SE" dirty="0" err="1">
                 <a:sym typeface="Wingdings" panose="05000000000000000000" pitchFamily="2" charset="2"/>
               </a:rPr>
-              <a:t>	 </a:t>
+              <a:t>d</a:t>
             </a:r>
             <a:r>
               <a:rPr lang="sv-SE" dirty="0" err="1"/>
-              <a:t>doc</a:t>
-            </a:r>
+              <a:t>isable_pipes</a:t>
+            </a:r>
+            <a:endParaRPr lang="sv-SE" dirty="0"/>
+          </a:p>
+          <a:p>
             <a:r>
               <a:rPr lang="sv-SE" dirty="0"/>
-              <a:t> </a:t>
-            </a:r>
-            <a:r>
-              <a:rPr lang="sv-SE" dirty="0" err="1"/>
-              <a:t>obj</a:t>
-            </a:r>
-            <a:endParaRPr lang="sv-SE" dirty="0"/>
-          </a:p>
-          <a:p>
-            <a:r>
-              <a:rPr lang="sv-SE" dirty="0"/>
-              <a:t>Ex. på användning är när liknande artiklar matchas, där token </a:t>
-            </a:r>
-            <a:r>
-              <a:rPr lang="sv-SE" dirty="0" err="1"/>
-              <a:t>trees</a:t>
-            </a:r>
-            <a:r>
-              <a:rPr lang="sv-SE" dirty="0"/>
-              <a:t> jämförs  </a:t>
+              <a:t>Ex. på användning är när liknande artiklar matchas, använder endast tok2vec  </a:t>
             </a:r>
           </a:p>
           <a:p>
@@ -7592,7 +7560,7 @@
           <p:nvPr>
             <p:extLst>
               <p:ext uri="{D42A27DB-BD31-4B8C-83A1-F6EECF244321}">
-                <p14:modId xmlns:p14="http://schemas.microsoft.com/office/powerpoint/2010/main" val="2760575483"/>
+                <p14:modId xmlns:p14="http://schemas.microsoft.com/office/powerpoint/2010/main" val="1979166735"/>
               </p:ext>
             </p:extLst>
           </p:nvPr>
@@ -8002,7 +7970,7 @@
                     <a:p>
                       <a:r>
                         <a:rPr lang="sv-SE" dirty="0"/>
-                        <a:t>rankade topp 5 artiklar</a:t>
+                        <a:t>topp 5 rankade artiklar</a:t>
                       </a:r>
                     </a:p>
                   </a:txBody>
@@ -8473,7 +8441,7 @@
           <p:nvPr>
             <p:extLst>
               <p:ext uri="{D42A27DB-BD31-4B8C-83A1-F6EECF244321}">
-                <p14:modId xmlns:p14="http://schemas.microsoft.com/office/powerpoint/2010/main" val="616576761"/>
+                <p14:modId xmlns:p14="http://schemas.microsoft.com/office/powerpoint/2010/main" val="2344017652"/>
               </p:ext>
             </p:extLst>
           </p:nvPr>
@@ -8701,7 +8669,7 @@
                     <a:p>
                       <a:r>
                         <a:rPr lang="sv-SE" dirty="0"/>
-                        <a:t>Match</a:t>
+                        <a:t>match</a:t>
                       </a:r>
                     </a:p>
                   </a:txBody>
@@ -8747,7 +8715,7 @@
                     <a:p>
                       <a:r>
                         <a:rPr lang="sv-SE" dirty="0"/>
-                        <a:t>rankade topp 5 artiklar</a:t>
+                        <a:t>topp 5 rankade artiklar</a:t>
                       </a:r>
                     </a:p>
                   </a:txBody>
